--- a/פרויקט הנדסת תוכנה - מצגת ממשק משתמש.pptx
+++ b/פרויקט הנדסת תוכנה - מצגת ממשק משתמש.pptx
@@ -269,7 +269,7 @@
             <a:fld id="{EB0F375E-5978-4BCD-9E39-9AF66CE7586D}" type="datetime8">
               <a:rPr lang="he-IL" smtClean="0"/>
               <a:pPr/>
-              <a:t>18 אפריל 20</a:t>
+              <a:t>14 מרץ 22</a:t>
             </a:fld>
             <a:endParaRPr lang="he-IL" dirty="0"/>
           </a:p>
@@ -464,7 +464,7 @@
             <a:fld id="{EB0F375E-5978-4BCD-9E39-9AF66CE7586D}" type="datetime8">
               <a:rPr lang="he-IL" smtClean="0"/>
               <a:pPr/>
-              <a:t>18 אפריל 20</a:t>
+              <a:t>14 מרץ 22</a:t>
             </a:fld>
             <a:endParaRPr lang="he-IL" dirty="0"/>
           </a:p>
@@ -2918,7 +2918,7 @@
           <a:p>
             <a:fld id="{47542C3E-3772-4025-9358-BE85BAE676F6}" type="datetimeFigureOut">
               <a:rPr lang="he-IL" smtClean="0"/>
-              <a:t>כ"ד/ניסן/תש"פ</a:t>
+              <a:t>י"א/אדר ב/תשפ"ב, יום שני</a:t>
             </a:fld>
             <a:endParaRPr lang="he-IL"/>
           </a:p>
@@ -3150,7 +3150,7 @@
             <a:fld id="{E87FA629-A31D-4216-9ECF-300552ED3A1C}" type="datetime8">
               <a:rPr lang="he-IL" smtClean="0"/>
               <a:pPr/>
-              <a:t>18 אפריל 20</a:t>
+              <a:t>14 מרץ 22</a:t>
             </a:fld>
             <a:endParaRPr lang="he-IL" noProof="0" dirty="0"/>
           </a:p>
@@ -3350,7 +3350,7 @@
             <a:fld id="{E87FA629-A31D-4216-9ECF-300552ED3A1C}" type="datetime8">
               <a:rPr lang="he-IL" smtClean="0"/>
               <a:pPr/>
-              <a:t>18 אפריל 20</a:t>
+              <a:t>14 מרץ 22</a:t>
             </a:fld>
             <a:endParaRPr lang="he-IL" noProof="0" dirty="0"/>
           </a:p>
@@ -3540,7 +3540,7 @@
             <a:fld id="{E87FA629-A31D-4216-9ECF-300552ED3A1C}" type="datetime8">
               <a:rPr lang="he-IL" smtClean="0"/>
               <a:pPr/>
-              <a:t>18 אפריל 20</a:t>
+              <a:t>14 מרץ 22</a:t>
             </a:fld>
             <a:endParaRPr lang="he-IL" noProof="0" dirty="0"/>
           </a:p>
@@ -3763,7 +3763,7 @@
           <a:p>
             <a:fld id="{47542C3E-3772-4025-9358-BE85BAE676F6}" type="datetimeFigureOut">
               <a:rPr lang="he-IL" smtClean="0"/>
-              <a:t>כ"ד/ניסן/תש"פ</a:t>
+              <a:t>י"א/אדר ב/תשפ"ב, יום שני</a:t>
             </a:fld>
             <a:endParaRPr lang="he-IL"/>
           </a:p>
@@ -4057,7 +4057,7 @@
             <a:fld id="{E87FA629-A31D-4216-9ECF-300552ED3A1C}" type="datetime8">
               <a:rPr lang="he-IL" smtClean="0"/>
               <a:pPr/>
-              <a:t>18 אפריל 20</a:t>
+              <a:t>14 מרץ 22</a:t>
             </a:fld>
             <a:endParaRPr lang="he-IL" noProof="0" dirty="0"/>
           </a:p>
@@ -4444,7 +4444,7 @@
             <a:fld id="{E87FA629-A31D-4216-9ECF-300552ED3A1C}" type="datetime8">
               <a:rPr lang="he-IL" smtClean="0"/>
               <a:pPr/>
-              <a:t>18 אפריל 20</a:t>
+              <a:t>14 מרץ 22</a:t>
             </a:fld>
             <a:endParaRPr lang="he-IL" noProof="0" dirty="0"/>
           </a:p>
@@ -4582,7 +4582,7 @@
             <a:fld id="{E87FA629-A31D-4216-9ECF-300552ED3A1C}" type="datetime8">
               <a:rPr lang="he-IL" smtClean="0"/>
               <a:pPr/>
-              <a:t>18 אפריל 20</a:t>
+              <a:t>14 מרץ 22</a:t>
             </a:fld>
             <a:endParaRPr lang="he-IL" noProof="0" dirty="0"/>
           </a:p>
@@ -4697,7 +4697,7 @@
             <a:fld id="{E87FA629-A31D-4216-9ECF-300552ED3A1C}" type="datetime8">
               <a:rPr lang="he-IL" smtClean="0"/>
               <a:pPr/>
-              <a:t>18 אפריל 20</a:t>
+              <a:t>14 מרץ 22</a:t>
             </a:fld>
             <a:endParaRPr lang="he-IL" noProof="0" dirty="0"/>
           </a:p>
@@ -4994,7 +4994,7 @@
             <a:fld id="{E87FA629-A31D-4216-9ECF-300552ED3A1C}" type="datetime8">
               <a:rPr lang="he-IL" smtClean="0"/>
               <a:pPr/>
-              <a:t>18 אפריל 20</a:t>
+              <a:t>14 מרץ 22</a:t>
             </a:fld>
             <a:endParaRPr lang="he-IL" noProof="0" dirty="0"/>
           </a:p>
@@ -5267,7 +5267,7 @@
             <a:fld id="{E87FA629-A31D-4216-9ECF-300552ED3A1C}" type="datetime8">
               <a:rPr lang="he-IL" smtClean="0"/>
               <a:pPr/>
-              <a:t>18 אפריל 20</a:t>
+              <a:t>14 מרץ 22</a:t>
             </a:fld>
             <a:endParaRPr lang="he-IL" noProof="0" dirty="0"/>
           </a:p>
@@ -5536,7 +5536,7 @@
             <a:fld id="{E87FA629-A31D-4216-9ECF-300552ED3A1C}" type="datetime8">
               <a:rPr lang="he-IL" smtClean="0"/>
               <a:pPr/>
-              <a:t>18 אפריל 20</a:t>
+              <a:t>14 מרץ 22</a:t>
             </a:fld>
             <a:endParaRPr lang="he-IL" noProof="0" dirty="0"/>
           </a:p>
@@ -6089,7 +6089,7 @@
         </p:spPr>
         <p:txBody>
           <a:bodyPr rtlCol="1">
-            <a:normAutofit fontScale="92500"/>
+            <a:normAutofit/>
           </a:bodyPr>
           <a:lstStyle/>
           <a:p>
@@ -6100,7 +6100,7 @@
                 <a:ea typeface="Tahoma" panose="020B0604030504040204" pitchFamily="34" charset="0"/>
                 <a:cs typeface="Tahoma" panose="020B0604030504040204" pitchFamily="34" charset="0"/>
               </a:rPr>
-              <a:t>יוגב יוסף - </a:t>
+              <a:t>יוגב </a:t>
             </a:r>
             <a:r>
               <a:rPr lang="he-IL" dirty="0" smtClean="0">
@@ -6108,7 +6108,7 @@
                 <a:ea typeface="Tahoma" panose="020B0604030504040204" pitchFamily="34" charset="0"/>
                 <a:cs typeface="Tahoma" panose="020B0604030504040204" pitchFamily="34" charset="0"/>
               </a:rPr>
-              <a:t>312273410</a:t>
+              <a:t>יוסף</a:t>
             </a:r>
             <a:endParaRPr lang="he-IL" dirty="0" smtClean="0">
               <a:latin typeface="Tahoma" panose="020B0604030504040204" pitchFamily="34" charset="0"/>
@@ -6124,7 +6124,15 @@
                 <a:ea typeface="Tahoma" panose="020B0604030504040204" pitchFamily="34" charset="0"/>
                 <a:cs typeface="Tahoma" panose="020B0604030504040204" pitchFamily="34" charset="0"/>
               </a:rPr>
-              <a:t>אלדור שיר - 311362461</a:t>
+              <a:t>אלדור </a:t>
+            </a:r>
+            <a:r>
+              <a:rPr lang="he-IL" dirty="0" smtClean="0">
+                <a:latin typeface="Tahoma" panose="020B0604030504040204" pitchFamily="34" charset="0"/>
+                <a:ea typeface="Tahoma" panose="020B0604030504040204" pitchFamily="34" charset="0"/>
+                <a:cs typeface="Tahoma" panose="020B0604030504040204" pitchFamily="34" charset="0"/>
+              </a:rPr>
+              <a:t>שיר</a:t>
             </a:r>
             <a:endParaRPr lang="he-IL" dirty="0">
               <a:latin typeface="Tahoma" panose="020B0604030504040204" pitchFamily="34" charset="0"/>
@@ -6481,7 +6489,7 @@
             <a:hlinkClick r:id="rId5" action="ppaction://hlinksldjump"/>
             <a:extLst>
               <a:ext uri="{FF2B5EF4-FFF2-40B4-BE49-F238E27FC236}">
-                <a16:creationId xmlns="" xmlns:a16="http://schemas.microsoft.com/office/drawing/2014/main" id="{3E99B5D8-BC99-4572-92A0-17E7E27354E7}"/>
+                <a16:creationId xmlns:a16="http://schemas.microsoft.com/office/drawing/2014/main" xmlns="" id="{3E99B5D8-BC99-4572-92A0-17E7E27354E7}"/>
               </a:ext>
             </a:extLst>
           </p:cNvPr>
@@ -6532,7 +6540,7 @@
             <a:hlinkClick r:id="rId6" action="ppaction://hlinksldjump"/>
             <a:extLst>
               <a:ext uri="{FF2B5EF4-FFF2-40B4-BE49-F238E27FC236}">
-                <a16:creationId xmlns="" xmlns:a16="http://schemas.microsoft.com/office/drawing/2014/main" id="{3E99B5D8-BC99-4572-92A0-17E7E27354E7}"/>
+                <a16:creationId xmlns:a16="http://schemas.microsoft.com/office/drawing/2014/main" xmlns="" id="{3E99B5D8-BC99-4572-92A0-17E7E27354E7}"/>
               </a:ext>
             </a:extLst>
           </p:cNvPr>
@@ -6583,7 +6591,7 @@
             <a:hlinkClick r:id="rId7" action="ppaction://hlinksldjump"/>
             <a:extLst>
               <a:ext uri="{FF2B5EF4-FFF2-40B4-BE49-F238E27FC236}">
-                <a16:creationId xmlns="" xmlns:a16="http://schemas.microsoft.com/office/drawing/2014/main" id="{3E99B5D8-BC99-4572-92A0-17E7E27354E7}"/>
+                <a16:creationId xmlns:a16="http://schemas.microsoft.com/office/drawing/2014/main" xmlns="" id="{3E99B5D8-BC99-4572-92A0-17E7E27354E7}"/>
               </a:ext>
             </a:extLst>
           </p:cNvPr>
@@ -6634,7 +6642,7 @@
             <a:hlinkClick r:id="rId8" action="ppaction://hlinksldjump"/>
             <a:extLst>
               <a:ext uri="{FF2B5EF4-FFF2-40B4-BE49-F238E27FC236}">
-                <a16:creationId xmlns="" xmlns:a16="http://schemas.microsoft.com/office/drawing/2014/main" id="{3E99B5D8-BC99-4572-92A0-17E7E27354E7}"/>
+                <a16:creationId xmlns:a16="http://schemas.microsoft.com/office/drawing/2014/main" xmlns="" id="{3E99B5D8-BC99-4572-92A0-17E7E27354E7}"/>
               </a:ext>
             </a:extLst>
           </p:cNvPr>
@@ -6685,7 +6693,7 @@
             <a:hlinkClick r:id="rId9" action="ppaction://hlinksldjump"/>
             <a:extLst>
               <a:ext uri="{FF2B5EF4-FFF2-40B4-BE49-F238E27FC236}">
-                <a16:creationId xmlns="" xmlns:a16="http://schemas.microsoft.com/office/drawing/2014/main" id="{3E99B5D8-BC99-4572-92A0-17E7E27354E7}"/>
+                <a16:creationId xmlns:a16="http://schemas.microsoft.com/office/drawing/2014/main" xmlns="" id="{3E99B5D8-BC99-4572-92A0-17E7E27354E7}"/>
               </a:ext>
             </a:extLst>
           </p:cNvPr>
@@ -6736,7 +6744,7 @@
             <a:hlinkClick r:id="rId10" action="ppaction://hlinksldjump"/>
             <a:extLst>
               <a:ext uri="{FF2B5EF4-FFF2-40B4-BE49-F238E27FC236}">
-                <a16:creationId xmlns="" xmlns:a16="http://schemas.microsoft.com/office/drawing/2014/main" id="{3E99B5D8-BC99-4572-92A0-17E7E27354E7}"/>
+                <a16:creationId xmlns:a16="http://schemas.microsoft.com/office/drawing/2014/main" xmlns="" id="{3E99B5D8-BC99-4572-92A0-17E7E27354E7}"/>
               </a:ext>
             </a:extLst>
           </p:cNvPr>
@@ -6787,7 +6795,7 @@
             <a:hlinkClick r:id="rId5" action="ppaction://hlinksldjump"/>
             <a:extLst>
               <a:ext uri="{FF2B5EF4-FFF2-40B4-BE49-F238E27FC236}">
-                <a16:creationId xmlns="" xmlns:a16="http://schemas.microsoft.com/office/drawing/2014/main" id="{3E99B5D8-BC99-4572-92A0-17E7E27354E7}"/>
+                <a16:creationId xmlns:a16="http://schemas.microsoft.com/office/drawing/2014/main" xmlns="" id="{3E99B5D8-BC99-4572-92A0-17E7E27354E7}"/>
               </a:ext>
             </a:extLst>
           </p:cNvPr>
@@ -7142,7 +7150,7 @@
             <a:hlinkClick r:id="rId4" action="ppaction://hlinksldjump"/>
             <a:extLst>
               <a:ext uri="{FF2B5EF4-FFF2-40B4-BE49-F238E27FC236}">
-                <a16:creationId xmlns="" xmlns:a16="http://schemas.microsoft.com/office/drawing/2014/main" id="{3E99B5D8-BC99-4572-92A0-17E7E27354E7}"/>
+                <a16:creationId xmlns:a16="http://schemas.microsoft.com/office/drawing/2014/main" xmlns="" id="{3E99B5D8-BC99-4572-92A0-17E7E27354E7}"/>
               </a:ext>
             </a:extLst>
           </p:cNvPr>
@@ -7193,7 +7201,7 @@
             <a:hlinkClick r:id="rId5" action="ppaction://hlinksldjump"/>
             <a:extLst>
               <a:ext uri="{FF2B5EF4-FFF2-40B4-BE49-F238E27FC236}">
-                <a16:creationId xmlns="" xmlns:a16="http://schemas.microsoft.com/office/drawing/2014/main" id="{3E99B5D8-BC99-4572-92A0-17E7E27354E7}"/>
+                <a16:creationId xmlns:a16="http://schemas.microsoft.com/office/drawing/2014/main" xmlns="" id="{3E99B5D8-BC99-4572-92A0-17E7E27354E7}"/>
               </a:ext>
             </a:extLst>
           </p:cNvPr>
@@ -7244,7 +7252,7 @@
             <a:hlinkClick r:id="rId6" action="ppaction://hlinksldjump"/>
             <a:extLst>
               <a:ext uri="{FF2B5EF4-FFF2-40B4-BE49-F238E27FC236}">
-                <a16:creationId xmlns="" xmlns:a16="http://schemas.microsoft.com/office/drawing/2014/main" id="{3E99B5D8-BC99-4572-92A0-17E7E27354E7}"/>
+                <a16:creationId xmlns:a16="http://schemas.microsoft.com/office/drawing/2014/main" xmlns="" id="{3E99B5D8-BC99-4572-92A0-17E7E27354E7}"/>
               </a:ext>
             </a:extLst>
           </p:cNvPr>
@@ -7295,7 +7303,7 @@
             <a:hlinkClick r:id="rId7" action="ppaction://hlinksldjump"/>
             <a:extLst>
               <a:ext uri="{FF2B5EF4-FFF2-40B4-BE49-F238E27FC236}">
-                <a16:creationId xmlns="" xmlns:a16="http://schemas.microsoft.com/office/drawing/2014/main" id="{3E99B5D8-BC99-4572-92A0-17E7E27354E7}"/>
+                <a16:creationId xmlns:a16="http://schemas.microsoft.com/office/drawing/2014/main" xmlns="" id="{3E99B5D8-BC99-4572-92A0-17E7E27354E7}"/>
               </a:ext>
             </a:extLst>
           </p:cNvPr>
@@ -7346,7 +7354,7 @@
             <a:hlinkClick r:id="rId8" action="ppaction://hlinksldjump"/>
             <a:extLst>
               <a:ext uri="{FF2B5EF4-FFF2-40B4-BE49-F238E27FC236}">
-                <a16:creationId xmlns="" xmlns:a16="http://schemas.microsoft.com/office/drawing/2014/main" id="{3E99B5D8-BC99-4572-92A0-17E7E27354E7}"/>
+                <a16:creationId xmlns:a16="http://schemas.microsoft.com/office/drawing/2014/main" xmlns="" id="{3E99B5D8-BC99-4572-92A0-17E7E27354E7}"/>
               </a:ext>
             </a:extLst>
           </p:cNvPr>
@@ -7397,7 +7405,7 @@
             <a:hlinkClick r:id="rId9" action="ppaction://hlinksldjump"/>
             <a:extLst>
               <a:ext uri="{FF2B5EF4-FFF2-40B4-BE49-F238E27FC236}">
-                <a16:creationId xmlns="" xmlns:a16="http://schemas.microsoft.com/office/drawing/2014/main" id="{3E99B5D8-BC99-4572-92A0-17E7E27354E7}"/>
+                <a16:creationId xmlns:a16="http://schemas.microsoft.com/office/drawing/2014/main" xmlns="" id="{3E99B5D8-BC99-4572-92A0-17E7E27354E7}"/>
               </a:ext>
             </a:extLst>
           </p:cNvPr>
@@ -7448,7 +7456,7 @@
             <a:hlinkClick r:id="rId10" action="ppaction://hlinksldjump"/>
             <a:extLst>
               <a:ext uri="{FF2B5EF4-FFF2-40B4-BE49-F238E27FC236}">
-                <a16:creationId xmlns="" xmlns:a16="http://schemas.microsoft.com/office/drawing/2014/main" id="{3E99B5D8-BC99-4572-92A0-17E7E27354E7}"/>
+                <a16:creationId xmlns:a16="http://schemas.microsoft.com/office/drawing/2014/main" xmlns="" id="{3E99B5D8-BC99-4572-92A0-17E7E27354E7}"/>
               </a:ext>
             </a:extLst>
           </p:cNvPr>
@@ -7499,7 +7507,7 @@
             <a:hlinkClick r:id="rId11" action="ppaction://hlinksldjump"/>
             <a:extLst>
               <a:ext uri="{FF2B5EF4-FFF2-40B4-BE49-F238E27FC236}">
-                <a16:creationId xmlns="" xmlns:a16="http://schemas.microsoft.com/office/drawing/2014/main" id="{3E99B5D8-BC99-4572-92A0-17E7E27354E7}"/>
+                <a16:creationId xmlns:a16="http://schemas.microsoft.com/office/drawing/2014/main" xmlns="" id="{3E99B5D8-BC99-4572-92A0-17E7E27354E7}"/>
               </a:ext>
             </a:extLst>
           </p:cNvPr>
@@ -7550,7 +7558,7 @@
             <a:hlinkClick r:id="rId6" action="ppaction://hlinksldjump"/>
             <a:extLst>
               <a:ext uri="{FF2B5EF4-FFF2-40B4-BE49-F238E27FC236}">
-                <a16:creationId xmlns="" xmlns:a16="http://schemas.microsoft.com/office/drawing/2014/main" id="{3E99B5D8-BC99-4572-92A0-17E7E27354E7}"/>
+                <a16:creationId xmlns:a16="http://schemas.microsoft.com/office/drawing/2014/main" xmlns="" id="{3E99B5D8-BC99-4572-92A0-17E7E27354E7}"/>
               </a:ext>
             </a:extLst>
           </p:cNvPr>
@@ -7905,7 +7913,7 @@
             <a:hlinkClick r:id="rId4" action="ppaction://hlinksldjump"/>
             <a:extLst>
               <a:ext uri="{FF2B5EF4-FFF2-40B4-BE49-F238E27FC236}">
-                <a16:creationId xmlns="" xmlns:a16="http://schemas.microsoft.com/office/drawing/2014/main" id="{3E99B5D8-BC99-4572-92A0-17E7E27354E7}"/>
+                <a16:creationId xmlns:a16="http://schemas.microsoft.com/office/drawing/2014/main" xmlns="" id="{3E99B5D8-BC99-4572-92A0-17E7E27354E7}"/>
               </a:ext>
             </a:extLst>
           </p:cNvPr>
@@ -7956,7 +7964,7 @@
             <a:hlinkClick r:id="rId5" action="ppaction://hlinksldjump"/>
             <a:extLst>
               <a:ext uri="{FF2B5EF4-FFF2-40B4-BE49-F238E27FC236}">
-                <a16:creationId xmlns="" xmlns:a16="http://schemas.microsoft.com/office/drawing/2014/main" id="{3E99B5D8-BC99-4572-92A0-17E7E27354E7}"/>
+                <a16:creationId xmlns:a16="http://schemas.microsoft.com/office/drawing/2014/main" xmlns="" id="{3E99B5D8-BC99-4572-92A0-17E7E27354E7}"/>
               </a:ext>
             </a:extLst>
           </p:cNvPr>
@@ -8007,7 +8015,7 @@
             <a:hlinkClick r:id="rId6" action="ppaction://hlinksldjump"/>
             <a:extLst>
               <a:ext uri="{FF2B5EF4-FFF2-40B4-BE49-F238E27FC236}">
-                <a16:creationId xmlns="" xmlns:a16="http://schemas.microsoft.com/office/drawing/2014/main" id="{3E99B5D8-BC99-4572-92A0-17E7E27354E7}"/>
+                <a16:creationId xmlns:a16="http://schemas.microsoft.com/office/drawing/2014/main" xmlns="" id="{3E99B5D8-BC99-4572-92A0-17E7E27354E7}"/>
               </a:ext>
             </a:extLst>
           </p:cNvPr>
@@ -8058,7 +8066,7 @@
             <a:hlinkClick r:id="rId7" action="ppaction://hlinksldjump"/>
             <a:extLst>
               <a:ext uri="{FF2B5EF4-FFF2-40B4-BE49-F238E27FC236}">
-                <a16:creationId xmlns="" xmlns:a16="http://schemas.microsoft.com/office/drawing/2014/main" id="{3E99B5D8-BC99-4572-92A0-17E7E27354E7}"/>
+                <a16:creationId xmlns:a16="http://schemas.microsoft.com/office/drawing/2014/main" xmlns="" id="{3E99B5D8-BC99-4572-92A0-17E7E27354E7}"/>
               </a:ext>
             </a:extLst>
           </p:cNvPr>
@@ -8109,7 +8117,7 @@
             <a:hlinkClick r:id="rId8" action="ppaction://hlinksldjump"/>
             <a:extLst>
               <a:ext uri="{FF2B5EF4-FFF2-40B4-BE49-F238E27FC236}">
-                <a16:creationId xmlns="" xmlns:a16="http://schemas.microsoft.com/office/drawing/2014/main" id="{3E99B5D8-BC99-4572-92A0-17E7E27354E7}"/>
+                <a16:creationId xmlns:a16="http://schemas.microsoft.com/office/drawing/2014/main" xmlns="" id="{3E99B5D8-BC99-4572-92A0-17E7E27354E7}"/>
               </a:ext>
             </a:extLst>
           </p:cNvPr>
@@ -8160,7 +8168,7 @@
             <a:hlinkClick r:id="rId9" action="ppaction://hlinksldjump"/>
             <a:extLst>
               <a:ext uri="{FF2B5EF4-FFF2-40B4-BE49-F238E27FC236}">
-                <a16:creationId xmlns="" xmlns:a16="http://schemas.microsoft.com/office/drawing/2014/main" id="{3E99B5D8-BC99-4572-92A0-17E7E27354E7}"/>
+                <a16:creationId xmlns:a16="http://schemas.microsoft.com/office/drawing/2014/main" xmlns="" id="{3E99B5D8-BC99-4572-92A0-17E7E27354E7}"/>
               </a:ext>
             </a:extLst>
           </p:cNvPr>
@@ -8211,7 +8219,7 @@
             <a:hlinkClick r:id="rId10" action="ppaction://hlinksldjump"/>
             <a:extLst>
               <a:ext uri="{FF2B5EF4-FFF2-40B4-BE49-F238E27FC236}">
-                <a16:creationId xmlns="" xmlns:a16="http://schemas.microsoft.com/office/drawing/2014/main" id="{3E99B5D8-BC99-4572-92A0-17E7E27354E7}"/>
+                <a16:creationId xmlns:a16="http://schemas.microsoft.com/office/drawing/2014/main" xmlns="" id="{3E99B5D8-BC99-4572-92A0-17E7E27354E7}"/>
               </a:ext>
             </a:extLst>
           </p:cNvPr>
@@ -8262,7 +8270,7 @@
             <a:hlinkClick r:id="rId11" action="ppaction://hlinksldjump"/>
             <a:extLst>
               <a:ext uri="{FF2B5EF4-FFF2-40B4-BE49-F238E27FC236}">
-                <a16:creationId xmlns="" xmlns:a16="http://schemas.microsoft.com/office/drawing/2014/main" id="{3E99B5D8-BC99-4572-92A0-17E7E27354E7}"/>
+                <a16:creationId xmlns:a16="http://schemas.microsoft.com/office/drawing/2014/main" xmlns="" id="{3E99B5D8-BC99-4572-92A0-17E7E27354E7}"/>
               </a:ext>
             </a:extLst>
           </p:cNvPr>
@@ -8313,7 +8321,7 @@
             <a:hlinkClick r:id="rId6" action="ppaction://hlinksldjump"/>
             <a:extLst>
               <a:ext uri="{FF2B5EF4-FFF2-40B4-BE49-F238E27FC236}">
-                <a16:creationId xmlns="" xmlns:a16="http://schemas.microsoft.com/office/drawing/2014/main" id="{3E99B5D8-BC99-4572-92A0-17E7E27354E7}"/>
+                <a16:creationId xmlns:a16="http://schemas.microsoft.com/office/drawing/2014/main" xmlns="" id="{3E99B5D8-BC99-4572-92A0-17E7E27354E7}"/>
               </a:ext>
             </a:extLst>
           </p:cNvPr>
@@ -8670,7 +8678,7 @@
             <a:hlinkClick r:id="rId4" action="ppaction://hlinksldjump"/>
             <a:extLst>
               <a:ext uri="{FF2B5EF4-FFF2-40B4-BE49-F238E27FC236}">
-                <a16:creationId xmlns="" xmlns:a16="http://schemas.microsoft.com/office/drawing/2014/main" id="{3E99B5D8-BC99-4572-92A0-17E7E27354E7}"/>
+                <a16:creationId xmlns:a16="http://schemas.microsoft.com/office/drawing/2014/main" xmlns="" id="{3E99B5D8-BC99-4572-92A0-17E7E27354E7}"/>
               </a:ext>
             </a:extLst>
           </p:cNvPr>
@@ -8721,7 +8729,7 @@
             <a:hlinkClick r:id="rId5" action="ppaction://hlinksldjump"/>
             <a:extLst>
               <a:ext uri="{FF2B5EF4-FFF2-40B4-BE49-F238E27FC236}">
-                <a16:creationId xmlns="" xmlns:a16="http://schemas.microsoft.com/office/drawing/2014/main" id="{3E99B5D8-BC99-4572-92A0-17E7E27354E7}"/>
+                <a16:creationId xmlns:a16="http://schemas.microsoft.com/office/drawing/2014/main" xmlns="" id="{3E99B5D8-BC99-4572-92A0-17E7E27354E7}"/>
               </a:ext>
             </a:extLst>
           </p:cNvPr>
@@ -8772,7 +8780,7 @@
             <a:hlinkClick r:id="rId6" action="ppaction://hlinksldjump"/>
             <a:extLst>
               <a:ext uri="{FF2B5EF4-FFF2-40B4-BE49-F238E27FC236}">
-                <a16:creationId xmlns="" xmlns:a16="http://schemas.microsoft.com/office/drawing/2014/main" id="{3E99B5D8-BC99-4572-92A0-17E7E27354E7}"/>
+                <a16:creationId xmlns:a16="http://schemas.microsoft.com/office/drawing/2014/main" xmlns="" id="{3E99B5D8-BC99-4572-92A0-17E7E27354E7}"/>
               </a:ext>
             </a:extLst>
           </p:cNvPr>
@@ -8823,7 +8831,7 @@
             <a:hlinkClick r:id="rId7" action="ppaction://hlinksldjump"/>
             <a:extLst>
               <a:ext uri="{FF2B5EF4-FFF2-40B4-BE49-F238E27FC236}">
-                <a16:creationId xmlns="" xmlns:a16="http://schemas.microsoft.com/office/drawing/2014/main" id="{3E99B5D8-BC99-4572-92A0-17E7E27354E7}"/>
+                <a16:creationId xmlns:a16="http://schemas.microsoft.com/office/drawing/2014/main" xmlns="" id="{3E99B5D8-BC99-4572-92A0-17E7E27354E7}"/>
               </a:ext>
             </a:extLst>
           </p:cNvPr>
@@ -8874,7 +8882,7 @@
             <a:hlinkClick r:id="rId8" action="ppaction://hlinksldjump"/>
             <a:extLst>
               <a:ext uri="{FF2B5EF4-FFF2-40B4-BE49-F238E27FC236}">
-                <a16:creationId xmlns="" xmlns:a16="http://schemas.microsoft.com/office/drawing/2014/main" id="{3E99B5D8-BC99-4572-92A0-17E7E27354E7}"/>
+                <a16:creationId xmlns:a16="http://schemas.microsoft.com/office/drawing/2014/main" xmlns="" id="{3E99B5D8-BC99-4572-92A0-17E7E27354E7}"/>
               </a:ext>
             </a:extLst>
           </p:cNvPr>
@@ -8925,7 +8933,7 @@
             <a:hlinkClick r:id="rId9" action="ppaction://hlinksldjump"/>
             <a:extLst>
               <a:ext uri="{FF2B5EF4-FFF2-40B4-BE49-F238E27FC236}">
-                <a16:creationId xmlns="" xmlns:a16="http://schemas.microsoft.com/office/drawing/2014/main" id="{3E99B5D8-BC99-4572-92A0-17E7E27354E7}"/>
+                <a16:creationId xmlns:a16="http://schemas.microsoft.com/office/drawing/2014/main" xmlns="" id="{3E99B5D8-BC99-4572-92A0-17E7E27354E7}"/>
               </a:ext>
             </a:extLst>
           </p:cNvPr>
@@ -8976,7 +8984,7 @@
             <a:hlinkClick r:id="rId10" action="ppaction://hlinksldjump"/>
             <a:extLst>
               <a:ext uri="{FF2B5EF4-FFF2-40B4-BE49-F238E27FC236}">
-                <a16:creationId xmlns="" xmlns:a16="http://schemas.microsoft.com/office/drawing/2014/main" id="{3E99B5D8-BC99-4572-92A0-17E7E27354E7}"/>
+                <a16:creationId xmlns:a16="http://schemas.microsoft.com/office/drawing/2014/main" xmlns="" id="{3E99B5D8-BC99-4572-92A0-17E7E27354E7}"/>
               </a:ext>
             </a:extLst>
           </p:cNvPr>
@@ -9027,7 +9035,7 @@
             <a:hlinkClick r:id="rId11" action="ppaction://hlinksldjump"/>
             <a:extLst>
               <a:ext uri="{FF2B5EF4-FFF2-40B4-BE49-F238E27FC236}">
-                <a16:creationId xmlns="" xmlns:a16="http://schemas.microsoft.com/office/drawing/2014/main" id="{3E99B5D8-BC99-4572-92A0-17E7E27354E7}"/>
+                <a16:creationId xmlns:a16="http://schemas.microsoft.com/office/drawing/2014/main" xmlns="" id="{3E99B5D8-BC99-4572-92A0-17E7E27354E7}"/>
               </a:ext>
             </a:extLst>
           </p:cNvPr>
@@ -9078,7 +9086,7 @@
             <a:hlinkClick r:id="rId6" action="ppaction://hlinksldjump"/>
             <a:extLst>
               <a:ext uri="{FF2B5EF4-FFF2-40B4-BE49-F238E27FC236}">
-                <a16:creationId xmlns="" xmlns:a16="http://schemas.microsoft.com/office/drawing/2014/main" id="{3E99B5D8-BC99-4572-92A0-17E7E27354E7}"/>
+                <a16:creationId xmlns:a16="http://schemas.microsoft.com/office/drawing/2014/main" xmlns="" id="{3E99B5D8-BC99-4572-92A0-17E7E27354E7}"/>
               </a:ext>
             </a:extLst>
           </p:cNvPr>
@@ -9208,7 +9216,7 @@
             <a:hlinkClick r:id="rId4" action="ppaction://hlinksldjump"/>
             <a:extLst>
               <a:ext uri="{FF2B5EF4-FFF2-40B4-BE49-F238E27FC236}">
-                <a16:creationId xmlns="" xmlns:a16="http://schemas.microsoft.com/office/drawing/2014/main" id="{3E99B5D8-BC99-4572-92A0-17E7E27354E7}"/>
+                <a16:creationId xmlns:a16="http://schemas.microsoft.com/office/drawing/2014/main" xmlns="" id="{3E99B5D8-BC99-4572-92A0-17E7E27354E7}"/>
               </a:ext>
             </a:extLst>
           </p:cNvPr>
@@ -9259,7 +9267,7 @@
             <a:hlinkClick r:id="rId5" action="ppaction://hlinksldjump"/>
             <a:extLst>
               <a:ext uri="{FF2B5EF4-FFF2-40B4-BE49-F238E27FC236}">
-                <a16:creationId xmlns="" xmlns:a16="http://schemas.microsoft.com/office/drawing/2014/main" id="{3E99B5D8-BC99-4572-92A0-17E7E27354E7}"/>
+                <a16:creationId xmlns:a16="http://schemas.microsoft.com/office/drawing/2014/main" xmlns="" id="{3E99B5D8-BC99-4572-92A0-17E7E27354E7}"/>
               </a:ext>
             </a:extLst>
           </p:cNvPr>
@@ -9353,7 +9361,7 @@
             <a:hlinkClick r:id="rId6" action="ppaction://hlinksldjump"/>
             <a:extLst>
               <a:ext uri="{FF2B5EF4-FFF2-40B4-BE49-F238E27FC236}">
-                <a16:creationId xmlns="" xmlns:a16="http://schemas.microsoft.com/office/drawing/2014/main" id="{3E99B5D8-BC99-4572-92A0-17E7E27354E7}"/>
+                <a16:creationId xmlns:a16="http://schemas.microsoft.com/office/drawing/2014/main" xmlns="" id="{3E99B5D8-BC99-4572-92A0-17E7E27354E7}"/>
               </a:ext>
             </a:extLst>
           </p:cNvPr>
@@ -9404,7 +9412,7 @@
             <a:hlinkClick r:id="rId7" action="ppaction://hlinksldjump"/>
             <a:extLst>
               <a:ext uri="{FF2B5EF4-FFF2-40B4-BE49-F238E27FC236}">
-                <a16:creationId xmlns="" xmlns:a16="http://schemas.microsoft.com/office/drawing/2014/main" id="{3E99B5D8-BC99-4572-92A0-17E7E27354E7}"/>
+                <a16:creationId xmlns:a16="http://schemas.microsoft.com/office/drawing/2014/main" xmlns="" id="{3E99B5D8-BC99-4572-92A0-17E7E27354E7}"/>
               </a:ext>
             </a:extLst>
           </p:cNvPr>
@@ -9455,7 +9463,7 @@
             <a:hlinkClick r:id="rId8" action="ppaction://hlinksldjump"/>
             <a:extLst>
               <a:ext uri="{FF2B5EF4-FFF2-40B4-BE49-F238E27FC236}">
-                <a16:creationId xmlns="" xmlns:a16="http://schemas.microsoft.com/office/drawing/2014/main" id="{3E99B5D8-BC99-4572-92A0-17E7E27354E7}"/>
+                <a16:creationId xmlns:a16="http://schemas.microsoft.com/office/drawing/2014/main" xmlns="" id="{3E99B5D8-BC99-4572-92A0-17E7E27354E7}"/>
               </a:ext>
             </a:extLst>
           </p:cNvPr>
@@ -9506,7 +9514,7 @@
             <a:hlinkClick r:id="rId9" action="ppaction://hlinksldjump"/>
             <a:extLst>
               <a:ext uri="{FF2B5EF4-FFF2-40B4-BE49-F238E27FC236}">
-                <a16:creationId xmlns="" xmlns:a16="http://schemas.microsoft.com/office/drawing/2014/main" id="{3E99B5D8-BC99-4572-92A0-17E7E27354E7}"/>
+                <a16:creationId xmlns:a16="http://schemas.microsoft.com/office/drawing/2014/main" xmlns="" id="{3E99B5D8-BC99-4572-92A0-17E7E27354E7}"/>
               </a:ext>
             </a:extLst>
           </p:cNvPr>
@@ -9557,7 +9565,7 @@
             <a:hlinkClick r:id="rId10" action="ppaction://hlinksldjump"/>
             <a:extLst>
               <a:ext uri="{FF2B5EF4-FFF2-40B4-BE49-F238E27FC236}">
-                <a16:creationId xmlns="" xmlns:a16="http://schemas.microsoft.com/office/drawing/2014/main" id="{3E99B5D8-BC99-4572-92A0-17E7E27354E7}"/>
+                <a16:creationId xmlns:a16="http://schemas.microsoft.com/office/drawing/2014/main" xmlns="" id="{3E99B5D8-BC99-4572-92A0-17E7E27354E7}"/>
               </a:ext>
             </a:extLst>
           </p:cNvPr>
@@ -9987,7 +9995,7 @@
             <a:hlinkClick r:id="rId5" action="ppaction://hlinksldjump"/>
             <a:extLst>
               <a:ext uri="{FF2B5EF4-FFF2-40B4-BE49-F238E27FC236}">
-                <a16:creationId xmlns="" xmlns:a16="http://schemas.microsoft.com/office/drawing/2014/main" id="{3E99B5D8-BC99-4572-92A0-17E7E27354E7}"/>
+                <a16:creationId xmlns:a16="http://schemas.microsoft.com/office/drawing/2014/main" xmlns="" id="{3E99B5D8-BC99-4572-92A0-17E7E27354E7}"/>
               </a:ext>
             </a:extLst>
           </p:cNvPr>
@@ -10038,7 +10046,7 @@
             <a:hlinkClick r:id="rId6" action="ppaction://hlinksldjump"/>
             <a:extLst>
               <a:ext uri="{FF2B5EF4-FFF2-40B4-BE49-F238E27FC236}">
-                <a16:creationId xmlns="" xmlns:a16="http://schemas.microsoft.com/office/drawing/2014/main" id="{3E99B5D8-BC99-4572-92A0-17E7E27354E7}"/>
+                <a16:creationId xmlns:a16="http://schemas.microsoft.com/office/drawing/2014/main" xmlns="" id="{3E99B5D8-BC99-4572-92A0-17E7E27354E7}"/>
               </a:ext>
             </a:extLst>
           </p:cNvPr>
@@ -10089,7 +10097,7 @@
             <a:hlinkClick r:id="rId7" action="ppaction://hlinksldjump"/>
             <a:extLst>
               <a:ext uri="{FF2B5EF4-FFF2-40B4-BE49-F238E27FC236}">
-                <a16:creationId xmlns="" xmlns:a16="http://schemas.microsoft.com/office/drawing/2014/main" id="{3E99B5D8-BC99-4572-92A0-17E7E27354E7}"/>
+                <a16:creationId xmlns:a16="http://schemas.microsoft.com/office/drawing/2014/main" xmlns="" id="{3E99B5D8-BC99-4572-92A0-17E7E27354E7}"/>
               </a:ext>
             </a:extLst>
           </p:cNvPr>
@@ -10140,7 +10148,7 @@
             <a:hlinkClick r:id="rId8" action="ppaction://hlinksldjump"/>
             <a:extLst>
               <a:ext uri="{FF2B5EF4-FFF2-40B4-BE49-F238E27FC236}">
-                <a16:creationId xmlns="" xmlns:a16="http://schemas.microsoft.com/office/drawing/2014/main" id="{3E99B5D8-BC99-4572-92A0-17E7E27354E7}"/>
+                <a16:creationId xmlns:a16="http://schemas.microsoft.com/office/drawing/2014/main" xmlns="" id="{3E99B5D8-BC99-4572-92A0-17E7E27354E7}"/>
               </a:ext>
             </a:extLst>
           </p:cNvPr>
@@ -10191,7 +10199,7 @@
             <a:hlinkClick r:id="rId9" action="ppaction://hlinksldjump"/>
             <a:extLst>
               <a:ext uri="{FF2B5EF4-FFF2-40B4-BE49-F238E27FC236}">
-                <a16:creationId xmlns="" xmlns:a16="http://schemas.microsoft.com/office/drawing/2014/main" id="{3E99B5D8-BC99-4572-92A0-17E7E27354E7}"/>
+                <a16:creationId xmlns:a16="http://schemas.microsoft.com/office/drawing/2014/main" xmlns="" id="{3E99B5D8-BC99-4572-92A0-17E7E27354E7}"/>
               </a:ext>
             </a:extLst>
           </p:cNvPr>
@@ -10621,7 +10629,7 @@
             <a:hlinkClick r:id="rId5" action="ppaction://hlinksldjump"/>
             <a:extLst>
               <a:ext uri="{FF2B5EF4-FFF2-40B4-BE49-F238E27FC236}">
-                <a16:creationId xmlns="" xmlns:a16="http://schemas.microsoft.com/office/drawing/2014/main" id="{3E99B5D8-BC99-4572-92A0-17E7E27354E7}"/>
+                <a16:creationId xmlns:a16="http://schemas.microsoft.com/office/drawing/2014/main" xmlns="" id="{3E99B5D8-BC99-4572-92A0-17E7E27354E7}"/>
               </a:ext>
             </a:extLst>
           </p:cNvPr>
@@ -10672,7 +10680,7 @@
             <a:hlinkClick r:id="rId6" action="ppaction://hlinksldjump"/>
             <a:extLst>
               <a:ext uri="{FF2B5EF4-FFF2-40B4-BE49-F238E27FC236}">
-                <a16:creationId xmlns="" xmlns:a16="http://schemas.microsoft.com/office/drawing/2014/main" id="{3E99B5D8-BC99-4572-92A0-17E7E27354E7}"/>
+                <a16:creationId xmlns:a16="http://schemas.microsoft.com/office/drawing/2014/main" xmlns="" id="{3E99B5D8-BC99-4572-92A0-17E7E27354E7}"/>
               </a:ext>
             </a:extLst>
           </p:cNvPr>
@@ -10723,7 +10731,7 @@
             <a:hlinkClick r:id="rId7" action="ppaction://hlinksldjump"/>
             <a:extLst>
               <a:ext uri="{FF2B5EF4-FFF2-40B4-BE49-F238E27FC236}">
-                <a16:creationId xmlns="" xmlns:a16="http://schemas.microsoft.com/office/drawing/2014/main" id="{3E99B5D8-BC99-4572-92A0-17E7E27354E7}"/>
+                <a16:creationId xmlns:a16="http://schemas.microsoft.com/office/drawing/2014/main" xmlns="" id="{3E99B5D8-BC99-4572-92A0-17E7E27354E7}"/>
               </a:ext>
             </a:extLst>
           </p:cNvPr>
@@ -10774,7 +10782,7 @@
             <a:hlinkClick r:id="rId8" action="ppaction://hlinksldjump"/>
             <a:extLst>
               <a:ext uri="{FF2B5EF4-FFF2-40B4-BE49-F238E27FC236}">
-                <a16:creationId xmlns="" xmlns:a16="http://schemas.microsoft.com/office/drawing/2014/main" id="{3E99B5D8-BC99-4572-92A0-17E7E27354E7}"/>
+                <a16:creationId xmlns:a16="http://schemas.microsoft.com/office/drawing/2014/main" xmlns="" id="{3E99B5D8-BC99-4572-92A0-17E7E27354E7}"/>
               </a:ext>
             </a:extLst>
           </p:cNvPr>
@@ -10825,7 +10833,7 @@
             <a:hlinkClick r:id="rId9" action="ppaction://hlinksldjump"/>
             <a:extLst>
               <a:ext uri="{FF2B5EF4-FFF2-40B4-BE49-F238E27FC236}">
-                <a16:creationId xmlns="" xmlns:a16="http://schemas.microsoft.com/office/drawing/2014/main" id="{3E99B5D8-BC99-4572-92A0-17E7E27354E7}"/>
+                <a16:creationId xmlns:a16="http://schemas.microsoft.com/office/drawing/2014/main" xmlns="" id="{3E99B5D8-BC99-4572-92A0-17E7E27354E7}"/>
               </a:ext>
             </a:extLst>
           </p:cNvPr>
@@ -11250,7 +11258,7 @@
             <a:hlinkClick r:id="rId5" action="ppaction://hlinksldjump"/>
             <a:extLst>
               <a:ext uri="{FF2B5EF4-FFF2-40B4-BE49-F238E27FC236}">
-                <a16:creationId xmlns="" xmlns:a16="http://schemas.microsoft.com/office/drawing/2014/main" id="{3E99B5D8-BC99-4572-92A0-17E7E27354E7}"/>
+                <a16:creationId xmlns:a16="http://schemas.microsoft.com/office/drawing/2014/main" xmlns="" id="{3E99B5D8-BC99-4572-92A0-17E7E27354E7}"/>
               </a:ext>
             </a:extLst>
           </p:cNvPr>
@@ -11301,7 +11309,7 @@
             <a:hlinkClick r:id="rId5" action="ppaction://hlinksldjump"/>
             <a:extLst>
               <a:ext uri="{FF2B5EF4-FFF2-40B4-BE49-F238E27FC236}">
-                <a16:creationId xmlns="" xmlns:a16="http://schemas.microsoft.com/office/drawing/2014/main" id="{3E99B5D8-BC99-4572-92A0-17E7E27354E7}"/>
+                <a16:creationId xmlns:a16="http://schemas.microsoft.com/office/drawing/2014/main" xmlns="" id="{3E99B5D8-BC99-4572-92A0-17E7E27354E7}"/>
               </a:ext>
             </a:extLst>
           </p:cNvPr>
@@ -11352,7 +11360,7 @@
             <a:hlinkClick r:id="rId6" action="ppaction://hlinksldjump"/>
             <a:extLst>
               <a:ext uri="{FF2B5EF4-FFF2-40B4-BE49-F238E27FC236}">
-                <a16:creationId xmlns="" xmlns:a16="http://schemas.microsoft.com/office/drawing/2014/main" id="{3E99B5D8-BC99-4572-92A0-17E7E27354E7}"/>
+                <a16:creationId xmlns:a16="http://schemas.microsoft.com/office/drawing/2014/main" xmlns="" id="{3E99B5D8-BC99-4572-92A0-17E7E27354E7}"/>
               </a:ext>
             </a:extLst>
           </p:cNvPr>
@@ -11403,7 +11411,7 @@
             <a:hlinkClick r:id="rId7" action="ppaction://hlinksldjump"/>
             <a:extLst>
               <a:ext uri="{FF2B5EF4-FFF2-40B4-BE49-F238E27FC236}">
-                <a16:creationId xmlns="" xmlns:a16="http://schemas.microsoft.com/office/drawing/2014/main" id="{3E99B5D8-BC99-4572-92A0-17E7E27354E7}"/>
+                <a16:creationId xmlns:a16="http://schemas.microsoft.com/office/drawing/2014/main" xmlns="" id="{3E99B5D8-BC99-4572-92A0-17E7E27354E7}"/>
               </a:ext>
             </a:extLst>
           </p:cNvPr>
@@ -11454,7 +11462,7 @@
             <a:hlinkClick r:id="rId8" action="ppaction://hlinksldjump"/>
             <a:extLst>
               <a:ext uri="{FF2B5EF4-FFF2-40B4-BE49-F238E27FC236}">
-                <a16:creationId xmlns="" xmlns:a16="http://schemas.microsoft.com/office/drawing/2014/main" id="{3E99B5D8-BC99-4572-92A0-17E7E27354E7}"/>
+                <a16:creationId xmlns:a16="http://schemas.microsoft.com/office/drawing/2014/main" xmlns="" id="{3E99B5D8-BC99-4572-92A0-17E7E27354E7}"/>
               </a:ext>
             </a:extLst>
           </p:cNvPr>
@@ -11505,7 +11513,7 @@
             <a:hlinkClick r:id="rId9" action="ppaction://hlinksldjump"/>
             <a:extLst>
               <a:ext uri="{FF2B5EF4-FFF2-40B4-BE49-F238E27FC236}">
-                <a16:creationId xmlns="" xmlns:a16="http://schemas.microsoft.com/office/drawing/2014/main" id="{3E99B5D8-BC99-4572-92A0-17E7E27354E7}"/>
+                <a16:creationId xmlns:a16="http://schemas.microsoft.com/office/drawing/2014/main" xmlns="" id="{3E99B5D8-BC99-4572-92A0-17E7E27354E7}"/>
               </a:ext>
             </a:extLst>
           </p:cNvPr>
@@ -12039,7 +12047,7 @@
             <a:hlinkClick r:id="rId5" action="ppaction://hlinksldjump"/>
             <a:extLst>
               <a:ext uri="{FF2B5EF4-FFF2-40B4-BE49-F238E27FC236}">
-                <a16:creationId xmlns="" xmlns:a16="http://schemas.microsoft.com/office/drawing/2014/main" id="{3E99B5D8-BC99-4572-92A0-17E7E27354E7}"/>
+                <a16:creationId xmlns:a16="http://schemas.microsoft.com/office/drawing/2014/main" xmlns="" id="{3E99B5D8-BC99-4572-92A0-17E7E27354E7}"/>
               </a:ext>
             </a:extLst>
           </p:cNvPr>
@@ -12090,7 +12098,7 @@
             <a:hlinkClick r:id="rId5" action="ppaction://hlinksldjump"/>
             <a:extLst>
               <a:ext uri="{FF2B5EF4-FFF2-40B4-BE49-F238E27FC236}">
-                <a16:creationId xmlns="" xmlns:a16="http://schemas.microsoft.com/office/drawing/2014/main" id="{3E99B5D8-BC99-4572-92A0-17E7E27354E7}"/>
+                <a16:creationId xmlns:a16="http://schemas.microsoft.com/office/drawing/2014/main" xmlns="" id="{3E99B5D8-BC99-4572-92A0-17E7E27354E7}"/>
               </a:ext>
             </a:extLst>
           </p:cNvPr>
@@ -12141,7 +12149,7 @@
             <a:hlinkClick r:id="rId6" action="ppaction://hlinksldjump"/>
             <a:extLst>
               <a:ext uri="{FF2B5EF4-FFF2-40B4-BE49-F238E27FC236}">
-                <a16:creationId xmlns="" xmlns:a16="http://schemas.microsoft.com/office/drawing/2014/main" id="{3E99B5D8-BC99-4572-92A0-17E7E27354E7}"/>
+                <a16:creationId xmlns:a16="http://schemas.microsoft.com/office/drawing/2014/main" xmlns="" id="{3E99B5D8-BC99-4572-92A0-17E7E27354E7}"/>
               </a:ext>
             </a:extLst>
           </p:cNvPr>
@@ -12192,7 +12200,7 @@
             <a:hlinkClick r:id="rId7" action="ppaction://hlinksldjump"/>
             <a:extLst>
               <a:ext uri="{FF2B5EF4-FFF2-40B4-BE49-F238E27FC236}">
-                <a16:creationId xmlns="" xmlns:a16="http://schemas.microsoft.com/office/drawing/2014/main" id="{3E99B5D8-BC99-4572-92A0-17E7E27354E7}"/>
+                <a16:creationId xmlns:a16="http://schemas.microsoft.com/office/drawing/2014/main" xmlns="" id="{3E99B5D8-BC99-4572-92A0-17E7E27354E7}"/>
               </a:ext>
             </a:extLst>
           </p:cNvPr>
@@ -12243,7 +12251,7 @@
             <a:hlinkClick r:id="rId8" action="ppaction://hlinksldjump"/>
             <a:extLst>
               <a:ext uri="{FF2B5EF4-FFF2-40B4-BE49-F238E27FC236}">
-                <a16:creationId xmlns="" xmlns:a16="http://schemas.microsoft.com/office/drawing/2014/main" id="{3E99B5D8-BC99-4572-92A0-17E7E27354E7}"/>
+                <a16:creationId xmlns:a16="http://schemas.microsoft.com/office/drawing/2014/main" xmlns="" id="{3E99B5D8-BC99-4572-92A0-17E7E27354E7}"/>
               </a:ext>
             </a:extLst>
           </p:cNvPr>
@@ -12294,7 +12302,7 @@
             <a:hlinkClick r:id="rId9" action="ppaction://hlinksldjump"/>
             <a:extLst>
               <a:ext uri="{FF2B5EF4-FFF2-40B4-BE49-F238E27FC236}">
-                <a16:creationId xmlns="" xmlns:a16="http://schemas.microsoft.com/office/drawing/2014/main" id="{3E99B5D8-BC99-4572-92A0-17E7E27354E7}"/>
+                <a16:creationId xmlns:a16="http://schemas.microsoft.com/office/drawing/2014/main" xmlns="" id="{3E99B5D8-BC99-4572-92A0-17E7E27354E7}"/>
               </a:ext>
             </a:extLst>
           </p:cNvPr>
@@ -12717,7 +12725,7 @@
             <a:hlinkClick r:id="rId5" action="ppaction://hlinksldjump"/>
             <a:extLst>
               <a:ext uri="{FF2B5EF4-FFF2-40B4-BE49-F238E27FC236}">
-                <a16:creationId xmlns="" xmlns:a16="http://schemas.microsoft.com/office/drawing/2014/main" id="{3E99B5D8-BC99-4572-92A0-17E7E27354E7}"/>
+                <a16:creationId xmlns:a16="http://schemas.microsoft.com/office/drawing/2014/main" xmlns="" id="{3E99B5D8-BC99-4572-92A0-17E7E27354E7}"/>
               </a:ext>
             </a:extLst>
           </p:cNvPr>
@@ -12768,7 +12776,7 @@
             <a:hlinkClick r:id="rId6" action="ppaction://hlinksldjump"/>
             <a:extLst>
               <a:ext uri="{FF2B5EF4-FFF2-40B4-BE49-F238E27FC236}">
-                <a16:creationId xmlns="" xmlns:a16="http://schemas.microsoft.com/office/drawing/2014/main" id="{3E99B5D8-BC99-4572-92A0-17E7E27354E7}"/>
+                <a16:creationId xmlns:a16="http://schemas.microsoft.com/office/drawing/2014/main" xmlns="" id="{3E99B5D8-BC99-4572-92A0-17E7E27354E7}"/>
               </a:ext>
             </a:extLst>
           </p:cNvPr>
@@ -12819,7 +12827,7 @@
             <a:hlinkClick r:id="rId6" action="ppaction://hlinksldjump"/>
             <a:extLst>
               <a:ext uri="{FF2B5EF4-FFF2-40B4-BE49-F238E27FC236}">
-                <a16:creationId xmlns="" xmlns:a16="http://schemas.microsoft.com/office/drawing/2014/main" id="{3E99B5D8-BC99-4572-92A0-17E7E27354E7}"/>
+                <a16:creationId xmlns:a16="http://schemas.microsoft.com/office/drawing/2014/main" xmlns="" id="{3E99B5D8-BC99-4572-92A0-17E7E27354E7}"/>
               </a:ext>
             </a:extLst>
           </p:cNvPr>
@@ -12870,7 +12878,7 @@
             <a:hlinkClick r:id="rId7" action="ppaction://hlinksldjump"/>
             <a:extLst>
               <a:ext uri="{FF2B5EF4-FFF2-40B4-BE49-F238E27FC236}">
-                <a16:creationId xmlns="" xmlns:a16="http://schemas.microsoft.com/office/drawing/2014/main" id="{3E99B5D8-BC99-4572-92A0-17E7E27354E7}"/>
+                <a16:creationId xmlns:a16="http://schemas.microsoft.com/office/drawing/2014/main" xmlns="" id="{3E99B5D8-BC99-4572-92A0-17E7E27354E7}"/>
               </a:ext>
             </a:extLst>
           </p:cNvPr>
@@ -12921,7 +12929,7 @@
             <a:hlinkClick r:id="rId8" action="ppaction://hlinksldjump"/>
             <a:extLst>
               <a:ext uri="{FF2B5EF4-FFF2-40B4-BE49-F238E27FC236}">
-                <a16:creationId xmlns="" xmlns:a16="http://schemas.microsoft.com/office/drawing/2014/main" id="{3E99B5D8-BC99-4572-92A0-17E7E27354E7}"/>
+                <a16:creationId xmlns:a16="http://schemas.microsoft.com/office/drawing/2014/main" xmlns="" id="{3E99B5D8-BC99-4572-92A0-17E7E27354E7}"/>
               </a:ext>
             </a:extLst>
           </p:cNvPr>
@@ -12972,7 +12980,7 @@
             <a:hlinkClick r:id="rId9" action="ppaction://hlinksldjump"/>
             <a:extLst>
               <a:ext uri="{FF2B5EF4-FFF2-40B4-BE49-F238E27FC236}">
-                <a16:creationId xmlns="" xmlns:a16="http://schemas.microsoft.com/office/drawing/2014/main" id="{3E99B5D8-BC99-4572-92A0-17E7E27354E7}"/>
+                <a16:creationId xmlns:a16="http://schemas.microsoft.com/office/drawing/2014/main" xmlns="" id="{3E99B5D8-BC99-4572-92A0-17E7E27354E7}"/>
               </a:ext>
             </a:extLst>
           </p:cNvPr>
@@ -13023,7 +13031,7 @@
             <a:hlinkClick r:id="rId10" action="ppaction://hlinksldjump"/>
             <a:extLst>
               <a:ext uri="{FF2B5EF4-FFF2-40B4-BE49-F238E27FC236}">
-                <a16:creationId xmlns="" xmlns:a16="http://schemas.microsoft.com/office/drawing/2014/main" id="{3E99B5D8-BC99-4572-92A0-17E7E27354E7}"/>
+                <a16:creationId xmlns:a16="http://schemas.microsoft.com/office/drawing/2014/main" xmlns="" id="{3E99B5D8-BC99-4572-92A0-17E7E27354E7}"/>
               </a:ext>
             </a:extLst>
           </p:cNvPr>
@@ -13200,7 +13208,7 @@
               <a:hlinkClick r:id="rId4" action="ppaction://hlinksldjump"/>
               <a:extLst>
                 <a:ext uri="{FF2B5EF4-FFF2-40B4-BE49-F238E27FC236}">
-                  <a16:creationId xmlns="" xmlns:a16="http://schemas.microsoft.com/office/drawing/2014/main" id="{3E99B5D8-BC99-4572-92A0-17E7E27354E7}"/>
+                  <a16:creationId xmlns:a16="http://schemas.microsoft.com/office/drawing/2014/main" xmlns="" id="{3E99B5D8-BC99-4572-92A0-17E7E27354E7}"/>
                 </a:ext>
               </a:extLst>
             </p:cNvPr>
@@ -13252,7 +13260,7 @@
             <a:hlinkClick r:id="rId5" action="ppaction://hlinksldjump"/>
             <a:extLst>
               <a:ext uri="{FF2B5EF4-FFF2-40B4-BE49-F238E27FC236}">
-                <a16:creationId xmlns="" xmlns:a16="http://schemas.microsoft.com/office/drawing/2014/main" id="{3E99B5D8-BC99-4572-92A0-17E7E27354E7}"/>
+                <a16:creationId xmlns:a16="http://schemas.microsoft.com/office/drawing/2014/main" xmlns="" id="{3E99B5D8-BC99-4572-92A0-17E7E27354E7}"/>
               </a:ext>
             </a:extLst>
           </p:cNvPr>
@@ -13528,7 +13536,7 @@
             <a:hlinkClick r:id="rId4" action="ppaction://hlinksldjump"/>
             <a:extLst>
               <a:ext uri="{FF2B5EF4-FFF2-40B4-BE49-F238E27FC236}">
-                <a16:creationId xmlns="" xmlns:a16="http://schemas.microsoft.com/office/drawing/2014/main" id="{3E99B5D8-BC99-4572-92A0-17E7E27354E7}"/>
+                <a16:creationId xmlns:a16="http://schemas.microsoft.com/office/drawing/2014/main" xmlns="" id="{3E99B5D8-BC99-4572-92A0-17E7E27354E7}"/>
               </a:ext>
             </a:extLst>
           </p:cNvPr>
@@ -13877,7 +13885,7 @@
             <a:hlinkClick r:id="rId4" action="ppaction://hlinksldjump"/>
             <a:extLst>
               <a:ext uri="{FF2B5EF4-FFF2-40B4-BE49-F238E27FC236}">
-                <a16:creationId xmlns="" xmlns:a16="http://schemas.microsoft.com/office/drawing/2014/main" id="{3E99B5D8-BC99-4572-92A0-17E7E27354E7}"/>
+                <a16:creationId xmlns:a16="http://schemas.microsoft.com/office/drawing/2014/main" xmlns="" id="{3E99B5D8-BC99-4572-92A0-17E7E27354E7}"/>
               </a:ext>
             </a:extLst>
           </p:cNvPr>
@@ -13928,7 +13936,7 @@
             <a:hlinkClick r:id="rId5" action="ppaction://hlinksldjump"/>
             <a:extLst>
               <a:ext uri="{FF2B5EF4-FFF2-40B4-BE49-F238E27FC236}">
-                <a16:creationId xmlns="" xmlns:a16="http://schemas.microsoft.com/office/drawing/2014/main" id="{3E99B5D8-BC99-4572-92A0-17E7E27354E7}"/>
+                <a16:creationId xmlns:a16="http://schemas.microsoft.com/office/drawing/2014/main" xmlns="" id="{3E99B5D8-BC99-4572-92A0-17E7E27354E7}"/>
               </a:ext>
             </a:extLst>
           </p:cNvPr>
@@ -13979,7 +13987,7 @@
             <a:hlinkClick r:id="rId6" action="ppaction://hlinksldjump"/>
             <a:extLst>
               <a:ext uri="{FF2B5EF4-FFF2-40B4-BE49-F238E27FC236}">
-                <a16:creationId xmlns="" xmlns:a16="http://schemas.microsoft.com/office/drawing/2014/main" id="{3E99B5D8-BC99-4572-92A0-17E7E27354E7}"/>
+                <a16:creationId xmlns:a16="http://schemas.microsoft.com/office/drawing/2014/main" xmlns="" id="{3E99B5D8-BC99-4572-92A0-17E7E27354E7}"/>
               </a:ext>
             </a:extLst>
           </p:cNvPr>
@@ -14030,7 +14038,7 @@
             <a:hlinkClick r:id="rId7" action="ppaction://hlinksldjump"/>
             <a:extLst>
               <a:ext uri="{FF2B5EF4-FFF2-40B4-BE49-F238E27FC236}">
-                <a16:creationId xmlns="" xmlns:a16="http://schemas.microsoft.com/office/drawing/2014/main" id="{3E99B5D8-BC99-4572-92A0-17E7E27354E7}"/>
+                <a16:creationId xmlns:a16="http://schemas.microsoft.com/office/drawing/2014/main" xmlns="" id="{3E99B5D8-BC99-4572-92A0-17E7E27354E7}"/>
               </a:ext>
             </a:extLst>
           </p:cNvPr>
@@ -14081,7 +14089,7 @@
             <a:hlinkClick r:id="rId8" action="ppaction://hlinksldjump"/>
             <a:extLst>
               <a:ext uri="{FF2B5EF4-FFF2-40B4-BE49-F238E27FC236}">
-                <a16:creationId xmlns="" xmlns:a16="http://schemas.microsoft.com/office/drawing/2014/main" id="{3E99B5D8-BC99-4572-92A0-17E7E27354E7}"/>
+                <a16:creationId xmlns:a16="http://schemas.microsoft.com/office/drawing/2014/main" xmlns="" id="{3E99B5D8-BC99-4572-92A0-17E7E27354E7}"/>
               </a:ext>
             </a:extLst>
           </p:cNvPr>
@@ -14132,7 +14140,7 @@
             <a:hlinkClick r:id="rId9" action="ppaction://hlinksldjump"/>
             <a:extLst>
               <a:ext uri="{FF2B5EF4-FFF2-40B4-BE49-F238E27FC236}">
-                <a16:creationId xmlns="" xmlns:a16="http://schemas.microsoft.com/office/drawing/2014/main" id="{3E99B5D8-BC99-4572-92A0-17E7E27354E7}"/>
+                <a16:creationId xmlns:a16="http://schemas.microsoft.com/office/drawing/2014/main" xmlns="" id="{3E99B5D8-BC99-4572-92A0-17E7E27354E7}"/>
               </a:ext>
             </a:extLst>
           </p:cNvPr>
@@ -14183,7 +14191,7 @@
             <a:hlinkClick r:id="rId10" action="ppaction://hlinksldjump"/>
             <a:extLst>
               <a:ext uri="{FF2B5EF4-FFF2-40B4-BE49-F238E27FC236}">
-                <a16:creationId xmlns="" xmlns:a16="http://schemas.microsoft.com/office/drawing/2014/main" id="{3E99B5D8-BC99-4572-92A0-17E7E27354E7}"/>
+                <a16:creationId xmlns:a16="http://schemas.microsoft.com/office/drawing/2014/main" xmlns="" id="{3E99B5D8-BC99-4572-92A0-17E7E27354E7}"/>
               </a:ext>
             </a:extLst>
           </p:cNvPr>
@@ -14234,7 +14242,7 @@
             <a:hlinkClick r:id="rId11" action="ppaction://hlinksldjump"/>
             <a:extLst>
               <a:ext uri="{FF2B5EF4-FFF2-40B4-BE49-F238E27FC236}">
-                <a16:creationId xmlns="" xmlns:a16="http://schemas.microsoft.com/office/drawing/2014/main" id="{3E99B5D8-BC99-4572-92A0-17E7E27354E7}"/>
+                <a16:creationId xmlns:a16="http://schemas.microsoft.com/office/drawing/2014/main" xmlns="" id="{3E99B5D8-BC99-4572-92A0-17E7E27354E7}"/>
               </a:ext>
             </a:extLst>
           </p:cNvPr>
@@ -14335,7 +14343,7 @@
             <a:hlinkClick r:id="rId6" action="ppaction://hlinksldjump"/>
             <a:extLst>
               <a:ext uri="{FF2B5EF4-FFF2-40B4-BE49-F238E27FC236}">
-                <a16:creationId xmlns="" xmlns:a16="http://schemas.microsoft.com/office/drawing/2014/main" id="{3E99B5D8-BC99-4572-92A0-17E7E27354E7}"/>
+                <a16:creationId xmlns:a16="http://schemas.microsoft.com/office/drawing/2014/main" xmlns="" id="{3E99B5D8-BC99-4572-92A0-17E7E27354E7}"/>
               </a:ext>
             </a:extLst>
           </p:cNvPr>
@@ -14690,7 +14698,7 @@
             <a:hlinkClick r:id="rId4" action="ppaction://hlinksldjump"/>
             <a:extLst>
               <a:ext uri="{FF2B5EF4-FFF2-40B4-BE49-F238E27FC236}">
-                <a16:creationId xmlns="" xmlns:a16="http://schemas.microsoft.com/office/drawing/2014/main" id="{3E99B5D8-BC99-4572-92A0-17E7E27354E7}"/>
+                <a16:creationId xmlns:a16="http://schemas.microsoft.com/office/drawing/2014/main" xmlns="" id="{3E99B5D8-BC99-4572-92A0-17E7E27354E7}"/>
               </a:ext>
             </a:extLst>
           </p:cNvPr>
@@ -14741,7 +14749,7 @@
             <a:hlinkClick r:id="rId5" action="ppaction://hlinksldjump"/>
             <a:extLst>
               <a:ext uri="{FF2B5EF4-FFF2-40B4-BE49-F238E27FC236}">
-                <a16:creationId xmlns="" xmlns:a16="http://schemas.microsoft.com/office/drawing/2014/main" id="{3E99B5D8-BC99-4572-92A0-17E7E27354E7}"/>
+                <a16:creationId xmlns:a16="http://schemas.microsoft.com/office/drawing/2014/main" xmlns="" id="{3E99B5D8-BC99-4572-92A0-17E7E27354E7}"/>
               </a:ext>
             </a:extLst>
           </p:cNvPr>
@@ -14792,7 +14800,7 @@
             <a:hlinkClick r:id="rId6" action="ppaction://hlinksldjump"/>
             <a:extLst>
               <a:ext uri="{FF2B5EF4-FFF2-40B4-BE49-F238E27FC236}">
-                <a16:creationId xmlns="" xmlns:a16="http://schemas.microsoft.com/office/drawing/2014/main" id="{3E99B5D8-BC99-4572-92A0-17E7E27354E7}"/>
+                <a16:creationId xmlns:a16="http://schemas.microsoft.com/office/drawing/2014/main" xmlns="" id="{3E99B5D8-BC99-4572-92A0-17E7E27354E7}"/>
               </a:ext>
             </a:extLst>
           </p:cNvPr>
@@ -14893,7 +14901,7 @@
             <a:hlinkClick r:id="rId8" action="ppaction://hlinksldjump"/>
             <a:extLst>
               <a:ext uri="{FF2B5EF4-FFF2-40B4-BE49-F238E27FC236}">
-                <a16:creationId xmlns="" xmlns:a16="http://schemas.microsoft.com/office/drawing/2014/main" id="{3E99B5D8-BC99-4572-92A0-17E7E27354E7}"/>
+                <a16:creationId xmlns:a16="http://schemas.microsoft.com/office/drawing/2014/main" xmlns="" id="{3E99B5D8-BC99-4572-92A0-17E7E27354E7}"/>
               </a:ext>
             </a:extLst>
           </p:cNvPr>
@@ -14944,7 +14952,7 @@
             <a:hlinkClick r:id="rId9" action="ppaction://hlinksldjump"/>
             <a:extLst>
               <a:ext uri="{FF2B5EF4-FFF2-40B4-BE49-F238E27FC236}">
-                <a16:creationId xmlns="" xmlns:a16="http://schemas.microsoft.com/office/drawing/2014/main" id="{3E99B5D8-BC99-4572-92A0-17E7E27354E7}"/>
+                <a16:creationId xmlns:a16="http://schemas.microsoft.com/office/drawing/2014/main" xmlns="" id="{3E99B5D8-BC99-4572-92A0-17E7E27354E7}"/>
               </a:ext>
             </a:extLst>
           </p:cNvPr>
@@ -14995,7 +15003,7 @@
             <a:hlinkClick r:id="rId10" action="ppaction://hlinksldjump"/>
             <a:extLst>
               <a:ext uri="{FF2B5EF4-FFF2-40B4-BE49-F238E27FC236}">
-                <a16:creationId xmlns="" xmlns:a16="http://schemas.microsoft.com/office/drawing/2014/main" id="{3E99B5D8-BC99-4572-92A0-17E7E27354E7}"/>
+                <a16:creationId xmlns:a16="http://schemas.microsoft.com/office/drawing/2014/main" xmlns="" id="{3E99B5D8-BC99-4572-92A0-17E7E27354E7}"/>
               </a:ext>
             </a:extLst>
           </p:cNvPr>
@@ -15046,7 +15054,7 @@
             <a:hlinkClick r:id="rId11" action="ppaction://hlinksldjump"/>
             <a:extLst>
               <a:ext uri="{FF2B5EF4-FFF2-40B4-BE49-F238E27FC236}">
-                <a16:creationId xmlns="" xmlns:a16="http://schemas.microsoft.com/office/drawing/2014/main" id="{3E99B5D8-BC99-4572-92A0-17E7E27354E7}"/>
+                <a16:creationId xmlns:a16="http://schemas.microsoft.com/office/drawing/2014/main" xmlns="" id="{3E99B5D8-BC99-4572-92A0-17E7E27354E7}"/>
               </a:ext>
             </a:extLst>
           </p:cNvPr>
@@ -15097,7 +15105,7 @@
             <a:hlinkClick r:id="rId12" action="ppaction://hlinksldjump"/>
             <a:extLst>
               <a:ext uri="{FF2B5EF4-FFF2-40B4-BE49-F238E27FC236}">
-                <a16:creationId xmlns="" xmlns:a16="http://schemas.microsoft.com/office/drawing/2014/main" id="{3E99B5D8-BC99-4572-92A0-17E7E27354E7}"/>
+                <a16:creationId xmlns:a16="http://schemas.microsoft.com/office/drawing/2014/main" xmlns="" id="{3E99B5D8-BC99-4572-92A0-17E7E27354E7}"/>
               </a:ext>
             </a:extLst>
           </p:cNvPr>
@@ -15485,7 +15493,7 @@
             <a:hlinkClick r:id="rId4" action="ppaction://hlinksldjump"/>
             <a:extLst>
               <a:ext uri="{FF2B5EF4-FFF2-40B4-BE49-F238E27FC236}">
-                <a16:creationId xmlns="" xmlns:a16="http://schemas.microsoft.com/office/drawing/2014/main" id="{3E99B5D8-BC99-4572-92A0-17E7E27354E7}"/>
+                <a16:creationId xmlns:a16="http://schemas.microsoft.com/office/drawing/2014/main" xmlns="" id="{3E99B5D8-BC99-4572-92A0-17E7E27354E7}"/>
               </a:ext>
             </a:extLst>
           </p:cNvPr>
@@ -15536,7 +15544,7 @@
             <a:hlinkClick r:id="rId5" action="ppaction://hlinksldjump"/>
             <a:extLst>
               <a:ext uri="{FF2B5EF4-FFF2-40B4-BE49-F238E27FC236}">
-                <a16:creationId xmlns="" xmlns:a16="http://schemas.microsoft.com/office/drawing/2014/main" id="{3E99B5D8-BC99-4572-92A0-17E7E27354E7}"/>
+                <a16:creationId xmlns:a16="http://schemas.microsoft.com/office/drawing/2014/main" xmlns="" id="{3E99B5D8-BC99-4572-92A0-17E7E27354E7}"/>
               </a:ext>
             </a:extLst>
           </p:cNvPr>
@@ -15587,7 +15595,7 @@
             <a:hlinkClick r:id="rId6" action="ppaction://hlinksldjump"/>
             <a:extLst>
               <a:ext uri="{FF2B5EF4-FFF2-40B4-BE49-F238E27FC236}">
-                <a16:creationId xmlns="" xmlns:a16="http://schemas.microsoft.com/office/drawing/2014/main" id="{3E99B5D8-BC99-4572-92A0-17E7E27354E7}"/>
+                <a16:creationId xmlns:a16="http://schemas.microsoft.com/office/drawing/2014/main" xmlns="" id="{3E99B5D8-BC99-4572-92A0-17E7E27354E7}"/>
               </a:ext>
             </a:extLst>
           </p:cNvPr>
@@ -15638,7 +15646,7 @@
             <a:hlinkClick r:id="rId7" action="ppaction://hlinksldjump"/>
             <a:extLst>
               <a:ext uri="{FF2B5EF4-FFF2-40B4-BE49-F238E27FC236}">
-                <a16:creationId xmlns="" xmlns:a16="http://schemas.microsoft.com/office/drawing/2014/main" id="{3E99B5D8-BC99-4572-92A0-17E7E27354E7}"/>
+                <a16:creationId xmlns:a16="http://schemas.microsoft.com/office/drawing/2014/main" xmlns="" id="{3E99B5D8-BC99-4572-92A0-17E7E27354E7}"/>
               </a:ext>
             </a:extLst>
           </p:cNvPr>
@@ -15689,7 +15697,7 @@
             <a:hlinkClick r:id="rId8" action="ppaction://hlinksldjump"/>
             <a:extLst>
               <a:ext uri="{FF2B5EF4-FFF2-40B4-BE49-F238E27FC236}">
-                <a16:creationId xmlns="" xmlns:a16="http://schemas.microsoft.com/office/drawing/2014/main" id="{3E99B5D8-BC99-4572-92A0-17E7E27354E7}"/>
+                <a16:creationId xmlns:a16="http://schemas.microsoft.com/office/drawing/2014/main" xmlns="" id="{3E99B5D8-BC99-4572-92A0-17E7E27354E7}"/>
               </a:ext>
             </a:extLst>
           </p:cNvPr>
@@ -15740,7 +15748,7 @@
             <a:hlinkClick r:id="rId9" action="ppaction://hlinksldjump"/>
             <a:extLst>
               <a:ext uri="{FF2B5EF4-FFF2-40B4-BE49-F238E27FC236}">
-                <a16:creationId xmlns="" xmlns:a16="http://schemas.microsoft.com/office/drawing/2014/main" id="{3E99B5D8-BC99-4572-92A0-17E7E27354E7}"/>
+                <a16:creationId xmlns:a16="http://schemas.microsoft.com/office/drawing/2014/main" xmlns="" id="{3E99B5D8-BC99-4572-92A0-17E7E27354E7}"/>
               </a:ext>
             </a:extLst>
           </p:cNvPr>
@@ -15841,7 +15849,7 @@
             <a:hlinkClick r:id="rId11" action="ppaction://hlinksldjump"/>
             <a:extLst>
               <a:ext uri="{FF2B5EF4-FFF2-40B4-BE49-F238E27FC236}">
-                <a16:creationId xmlns="" xmlns:a16="http://schemas.microsoft.com/office/drawing/2014/main" id="{3E99B5D8-BC99-4572-92A0-17E7E27354E7}"/>
+                <a16:creationId xmlns:a16="http://schemas.microsoft.com/office/drawing/2014/main" xmlns="" id="{3E99B5D8-BC99-4572-92A0-17E7E27354E7}"/>
               </a:ext>
             </a:extLst>
           </p:cNvPr>
@@ -15892,7 +15900,7 @@
             <a:hlinkClick r:id="rId12" action="ppaction://hlinksldjump"/>
             <a:extLst>
               <a:ext uri="{FF2B5EF4-FFF2-40B4-BE49-F238E27FC236}">
-                <a16:creationId xmlns="" xmlns:a16="http://schemas.microsoft.com/office/drawing/2014/main" id="{3E99B5D8-BC99-4572-92A0-17E7E27354E7}"/>
+                <a16:creationId xmlns:a16="http://schemas.microsoft.com/office/drawing/2014/main" xmlns="" id="{3E99B5D8-BC99-4572-92A0-17E7E27354E7}"/>
               </a:ext>
             </a:extLst>
           </p:cNvPr>
@@ -15943,7 +15951,7 @@
             <a:hlinkClick r:id="rId13" action="ppaction://hlinksldjump"/>
             <a:extLst>
               <a:ext uri="{FF2B5EF4-FFF2-40B4-BE49-F238E27FC236}">
-                <a16:creationId xmlns="" xmlns:a16="http://schemas.microsoft.com/office/drawing/2014/main" id="{3E99B5D8-BC99-4572-92A0-17E7E27354E7}"/>
+                <a16:creationId xmlns:a16="http://schemas.microsoft.com/office/drawing/2014/main" xmlns="" id="{3E99B5D8-BC99-4572-92A0-17E7E27354E7}"/>
               </a:ext>
             </a:extLst>
           </p:cNvPr>
@@ -15994,7 +16002,7 @@
             <a:hlinkClick r:id="rId14" action="ppaction://hlinksldjump"/>
             <a:extLst>
               <a:ext uri="{FF2B5EF4-FFF2-40B4-BE49-F238E27FC236}">
-                <a16:creationId xmlns="" xmlns:a16="http://schemas.microsoft.com/office/drawing/2014/main" id="{3E99B5D8-BC99-4572-92A0-17E7E27354E7}"/>
+                <a16:creationId xmlns:a16="http://schemas.microsoft.com/office/drawing/2014/main" xmlns="" id="{3E99B5D8-BC99-4572-92A0-17E7E27354E7}"/>
               </a:ext>
             </a:extLst>
           </p:cNvPr>
@@ -16045,7 +16053,7 @@
             <a:hlinkClick r:id="rId15" action="ppaction://hlinksldjump"/>
             <a:extLst>
               <a:ext uri="{FF2B5EF4-FFF2-40B4-BE49-F238E27FC236}">
-                <a16:creationId xmlns="" xmlns:a16="http://schemas.microsoft.com/office/drawing/2014/main" id="{3E99B5D8-BC99-4572-92A0-17E7E27354E7}"/>
+                <a16:creationId xmlns:a16="http://schemas.microsoft.com/office/drawing/2014/main" xmlns="" id="{3E99B5D8-BC99-4572-92A0-17E7E27354E7}"/>
               </a:ext>
             </a:extLst>
           </p:cNvPr>
@@ -16431,7 +16439,7 @@
             <a:hlinkClick r:id="rId4" action="ppaction://hlinksldjump"/>
             <a:extLst>
               <a:ext uri="{FF2B5EF4-FFF2-40B4-BE49-F238E27FC236}">
-                <a16:creationId xmlns="" xmlns:a16="http://schemas.microsoft.com/office/drawing/2014/main" id="{3E99B5D8-BC99-4572-92A0-17E7E27354E7}"/>
+                <a16:creationId xmlns:a16="http://schemas.microsoft.com/office/drawing/2014/main" xmlns="" id="{3E99B5D8-BC99-4572-92A0-17E7E27354E7}"/>
               </a:ext>
             </a:extLst>
           </p:cNvPr>
@@ -16482,7 +16490,7 @@
             <a:hlinkClick r:id="rId5" action="ppaction://hlinksldjump"/>
             <a:extLst>
               <a:ext uri="{FF2B5EF4-FFF2-40B4-BE49-F238E27FC236}">
-                <a16:creationId xmlns="" xmlns:a16="http://schemas.microsoft.com/office/drawing/2014/main" id="{3E99B5D8-BC99-4572-92A0-17E7E27354E7}"/>
+                <a16:creationId xmlns:a16="http://schemas.microsoft.com/office/drawing/2014/main" xmlns="" id="{3E99B5D8-BC99-4572-92A0-17E7E27354E7}"/>
               </a:ext>
             </a:extLst>
           </p:cNvPr>
@@ -16533,7 +16541,7 @@
             <a:hlinkClick r:id="rId6" action="ppaction://hlinksldjump"/>
             <a:extLst>
               <a:ext uri="{FF2B5EF4-FFF2-40B4-BE49-F238E27FC236}">
-                <a16:creationId xmlns="" xmlns:a16="http://schemas.microsoft.com/office/drawing/2014/main" id="{3E99B5D8-BC99-4572-92A0-17E7E27354E7}"/>
+                <a16:creationId xmlns:a16="http://schemas.microsoft.com/office/drawing/2014/main" xmlns="" id="{3E99B5D8-BC99-4572-92A0-17E7E27354E7}"/>
               </a:ext>
             </a:extLst>
           </p:cNvPr>
@@ -16672,7 +16680,7 @@
             <a:hlinkClick r:id="rId8" action="ppaction://hlinksldjump"/>
             <a:extLst>
               <a:ext uri="{FF2B5EF4-FFF2-40B4-BE49-F238E27FC236}">
-                <a16:creationId xmlns="" xmlns:a16="http://schemas.microsoft.com/office/drawing/2014/main" id="{3E99B5D8-BC99-4572-92A0-17E7E27354E7}"/>
+                <a16:creationId xmlns:a16="http://schemas.microsoft.com/office/drawing/2014/main" xmlns="" id="{3E99B5D8-BC99-4572-92A0-17E7E27354E7}"/>
               </a:ext>
             </a:extLst>
           </p:cNvPr>
@@ -16723,7 +16731,7 @@
             <a:hlinkClick r:id="rId9" action="ppaction://hlinksldjump"/>
             <a:extLst>
               <a:ext uri="{FF2B5EF4-FFF2-40B4-BE49-F238E27FC236}">
-                <a16:creationId xmlns="" xmlns:a16="http://schemas.microsoft.com/office/drawing/2014/main" id="{3E99B5D8-BC99-4572-92A0-17E7E27354E7}"/>
+                <a16:creationId xmlns:a16="http://schemas.microsoft.com/office/drawing/2014/main" xmlns="" id="{3E99B5D8-BC99-4572-92A0-17E7E27354E7}"/>
               </a:ext>
             </a:extLst>
           </p:cNvPr>
@@ -16774,7 +16782,7 @@
             <a:hlinkClick r:id="rId10" action="ppaction://hlinksldjump"/>
             <a:extLst>
               <a:ext uri="{FF2B5EF4-FFF2-40B4-BE49-F238E27FC236}">
-                <a16:creationId xmlns="" xmlns:a16="http://schemas.microsoft.com/office/drawing/2014/main" id="{3E99B5D8-BC99-4572-92A0-17E7E27354E7}"/>
+                <a16:creationId xmlns:a16="http://schemas.microsoft.com/office/drawing/2014/main" xmlns="" id="{3E99B5D8-BC99-4572-92A0-17E7E27354E7}"/>
               </a:ext>
             </a:extLst>
           </p:cNvPr>
@@ -16825,7 +16833,7 @@
             <a:hlinkClick r:id="rId11" action="ppaction://hlinksldjump"/>
             <a:extLst>
               <a:ext uri="{FF2B5EF4-FFF2-40B4-BE49-F238E27FC236}">
-                <a16:creationId xmlns="" xmlns:a16="http://schemas.microsoft.com/office/drawing/2014/main" id="{3E99B5D8-BC99-4572-92A0-17E7E27354E7}"/>
+                <a16:creationId xmlns:a16="http://schemas.microsoft.com/office/drawing/2014/main" xmlns="" id="{3E99B5D8-BC99-4572-92A0-17E7E27354E7}"/>
               </a:ext>
             </a:extLst>
           </p:cNvPr>
@@ -16876,7 +16884,7 @@
             <a:hlinkClick r:id="rId12" action="ppaction://hlinksldjump"/>
             <a:extLst>
               <a:ext uri="{FF2B5EF4-FFF2-40B4-BE49-F238E27FC236}">
-                <a16:creationId xmlns="" xmlns:a16="http://schemas.microsoft.com/office/drawing/2014/main" id="{3E99B5D8-BC99-4572-92A0-17E7E27354E7}"/>
+                <a16:creationId xmlns:a16="http://schemas.microsoft.com/office/drawing/2014/main" xmlns="" id="{3E99B5D8-BC99-4572-92A0-17E7E27354E7}"/>
               </a:ext>
             </a:extLst>
           </p:cNvPr>
@@ -16927,7 +16935,7 @@
             <a:hlinkClick r:id="rId7" action="ppaction://hlinksldjump"/>
             <a:extLst>
               <a:ext uri="{FF2B5EF4-FFF2-40B4-BE49-F238E27FC236}">
-                <a16:creationId xmlns="" xmlns:a16="http://schemas.microsoft.com/office/drawing/2014/main" id="{3E99B5D8-BC99-4572-92A0-17E7E27354E7}"/>
+                <a16:creationId xmlns:a16="http://schemas.microsoft.com/office/drawing/2014/main" xmlns="" id="{3E99B5D8-BC99-4572-92A0-17E7E27354E7}"/>
               </a:ext>
             </a:extLst>
           </p:cNvPr>
@@ -16978,7 +16986,7 @@
             <a:hlinkClick r:id="rId7" action="ppaction://hlinksldjump"/>
             <a:extLst>
               <a:ext uri="{FF2B5EF4-FFF2-40B4-BE49-F238E27FC236}">
-                <a16:creationId xmlns="" xmlns:a16="http://schemas.microsoft.com/office/drawing/2014/main" id="{3E99B5D8-BC99-4572-92A0-17E7E27354E7}"/>
+                <a16:creationId xmlns:a16="http://schemas.microsoft.com/office/drawing/2014/main" xmlns="" id="{3E99B5D8-BC99-4572-92A0-17E7E27354E7}"/>
               </a:ext>
             </a:extLst>
           </p:cNvPr>
@@ -17029,7 +17037,7 @@
             <a:hlinkClick r:id="rId7" action="ppaction://hlinksldjump"/>
             <a:extLst>
               <a:ext uri="{FF2B5EF4-FFF2-40B4-BE49-F238E27FC236}">
-                <a16:creationId xmlns="" xmlns:a16="http://schemas.microsoft.com/office/drawing/2014/main" id="{3E99B5D8-BC99-4572-92A0-17E7E27354E7}"/>
+                <a16:creationId xmlns:a16="http://schemas.microsoft.com/office/drawing/2014/main" xmlns="" id="{3E99B5D8-BC99-4572-92A0-17E7E27354E7}"/>
               </a:ext>
             </a:extLst>
           </p:cNvPr>
@@ -17080,7 +17088,7 @@
             <a:hlinkClick r:id="rId7" action="ppaction://hlinksldjump"/>
             <a:extLst>
               <a:ext uri="{FF2B5EF4-FFF2-40B4-BE49-F238E27FC236}">
-                <a16:creationId xmlns="" xmlns:a16="http://schemas.microsoft.com/office/drawing/2014/main" id="{3E99B5D8-BC99-4572-92A0-17E7E27354E7}"/>
+                <a16:creationId xmlns:a16="http://schemas.microsoft.com/office/drawing/2014/main" xmlns="" id="{3E99B5D8-BC99-4572-92A0-17E7E27354E7}"/>
               </a:ext>
             </a:extLst>
           </p:cNvPr>
@@ -17131,7 +17139,7 @@
             <a:hlinkClick r:id="rId7" action="ppaction://hlinksldjump"/>
             <a:extLst>
               <a:ext uri="{FF2B5EF4-FFF2-40B4-BE49-F238E27FC236}">
-                <a16:creationId xmlns="" xmlns:a16="http://schemas.microsoft.com/office/drawing/2014/main" id="{3E99B5D8-BC99-4572-92A0-17E7E27354E7}"/>
+                <a16:creationId xmlns:a16="http://schemas.microsoft.com/office/drawing/2014/main" xmlns="" id="{3E99B5D8-BC99-4572-92A0-17E7E27354E7}"/>
               </a:ext>
             </a:extLst>
           </p:cNvPr>
@@ -17374,7 +17382,7 @@
           <p:cNvPr id="17" name="תיבת טקסט 5">
             <a:extLst>
               <a:ext uri="{FF2B5EF4-FFF2-40B4-BE49-F238E27FC236}">
-                <a16:creationId xmlns="" xmlns:a16="http://schemas.microsoft.com/office/drawing/2014/main" id="{4CE04FB3-F17E-4468-90DE-F74F1EA351B4}"/>
+                <a16:creationId xmlns:a16="http://schemas.microsoft.com/office/drawing/2014/main" xmlns="" id="{4CE04FB3-F17E-4468-90DE-F74F1EA351B4}"/>
               </a:ext>
             </a:extLst>
           </p:cNvPr>
@@ -17433,7 +17441,7 @@
           <p:cNvPr id="18" name="תיבת טקסט 5">
             <a:extLst>
               <a:ext uri="{FF2B5EF4-FFF2-40B4-BE49-F238E27FC236}">
-                <a16:creationId xmlns="" xmlns:a16="http://schemas.microsoft.com/office/drawing/2014/main" id="{4CE04FB3-F17E-4468-90DE-F74F1EA351B4}"/>
+                <a16:creationId xmlns:a16="http://schemas.microsoft.com/office/drawing/2014/main" xmlns="" id="{4CE04FB3-F17E-4468-90DE-F74F1EA351B4}"/>
               </a:ext>
             </a:extLst>
           </p:cNvPr>
@@ -17628,7 +17636,7 @@
               <a:hlinkClick r:id="rId4" action="ppaction://hlinksldjump"/>
               <a:extLst>
                 <a:ext uri="{FF2B5EF4-FFF2-40B4-BE49-F238E27FC236}">
-                  <a16:creationId xmlns="" xmlns:a16="http://schemas.microsoft.com/office/drawing/2014/main" id="{3E99B5D8-BC99-4572-92A0-17E7E27354E7}"/>
+                  <a16:creationId xmlns:a16="http://schemas.microsoft.com/office/drawing/2014/main" xmlns="" id="{3E99B5D8-BC99-4572-92A0-17E7E27354E7}"/>
                 </a:ext>
               </a:extLst>
             </p:cNvPr>
@@ -17679,7 +17687,7 @@
           <p:cNvPr id="15" name="תיבת טקסט 5">
             <a:extLst>
               <a:ext uri="{FF2B5EF4-FFF2-40B4-BE49-F238E27FC236}">
-                <a16:creationId xmlns="" xmlns:a16="http://schemas.microsoft.com/office/drawing/2014/main" id="{4CE04FB3-F17E-4468-90DE-F74F1EA351B4}"/>
+                <a16:creationId xmlns:a16="http://schemas.microsoft.com/office/drawing/2014/main" xmlns="" id="{4CE04FB3-F17E-4468-90DE-F74F1EA351B4}"/>
               </a:ext>
             </a:extLst>
           </p:cNvPr>
@@ -17738,7 +17746,7 @@
           <p:cNvPr id="6" name="תיבת טקסט 5">
             <a:extLst>
               <a:ext uri="{FF2B5EF4-FFF2-40B4-BE49-F238E27FC236}">
-                <a16:creationId xmlns="" xmlns:a16="http://schemas.microsoft.com/office/drawing/2014/main" id="{4CE04FB3-F17E-4468-90DE-F74F1EA351B4}"/>
+                <a16:creationId xmlns:a16="http://schemas.microsoft.com/office/drawing/2014/main" xmlns="" id="{4CE04FB3-F17E-4468-90DE-F74F1EA351B4}"/>
               </a:ext>
             </a:extLst>
           </p:cNvPr>
@@ -18189,7 +18197,7 @@
             <a:hlinkClick r:id="rId4" action="ppaction://hlinksldjump"/>
             <a:extLst>
               <a:ext uri="{FF2B5EF4-FFF2-40B4-BE49-F238E27FC236}">
-                <a16:creationId xmlns="" xmlns:a16="http://schemas.microsoft.com/office/drawing/2014/main" id="{3E99B5D8-BC99-4572-92A0-17E7E27354E7}"/>
+                <a16:creationId xmlns:a16="http://schemas.microsoft.com/office/drawing/2014/main" xmlns="" id="{3E99B5D8-BC99-4572-92A0-17E7E27354E7}"/>
               </a:ext>
             </a:extLst>
           </p:cNvPr>
@@ -18240,7 +18248,7 @@
             <a:hlinkClick r:id="rId5" action="ppaction://hlinksldjump"/>
             <a:extLst>
               <a:ext uri="{FF2B5EF4-FFF2-40B4-BE49-F238E27FC236}">
-                <a16:creationId xmlns="" xmlns:a16="http://schemas.microsoft.com/office/drawing/2014/main" id="{3E99B5D8-BC99-4572-92A0-17E7E27354E7}"/>
+                <a16:creationId xmlns:a16="http://schemas.microsoft.com/office/drawing/2014/main" xmlns="" id="{3E99B5D8-BC99-4572-92A0-17E7E27354E7}"/>
               </a:ext>
             </a:extLst>
           </p:cNvPr>
@@ -18370,7 +18378,7 @@
             <a:hlinkClick r:id="rId4" action="ppaction://hlinksldjump"/>
             <a:extLst>
               <a:ext uri="{FF2B5EF4-FFF2-40B4-BE49-F238E27FC236}">
-                <a16:creationId xmlns="" xmlns:a16="http://schemas.microsoft.com/office/drawing/2014/main" id="{3E99B5D8-BC99-4572-92A0-17E7E27354E7}"/>
+                <a16:creationId xmlns:a16="http://schemas.microsoft.com/office/drawing/2014/main" xmlns="" id="{3E99B5D8-BC99-4572-92A0-17E7E27354E7}"/>
               </a:ext>
             </a:extLst>
           </p:cNvPr>
@@ -18421,7 +18429,7 @@
             <a:hlinkClick r:id="rId5" action="ppaction://hlinksldjump"/>
             <a:extLst>
               <a:ext uri="{FF2B5EF4-FFF2-40B4-BE49-F238E27FC236}">
-                <a16:creationId xmlns="" xmlns:a16="http://schemas.microsoft.com/office/drawing/2014/main" id="{3E99B5D8-BC99-4572-92A0-17E7E27354E7}"/>
+                <a16:creationId xmlns:a16="http://schemas.microsoft.com/office/drawing/2014/main" xmlns="" id="{3E99B5D8-BC99-4572-92A0-17E7E27354E7}"/>
               </a:ext>
             </a:extLst>
           </p:cNvPr>
@@ -18516,7 +18524,7 @@
             <a:hlinkClick r:id="rId6" action="ppaction://hlinksldjump"/>
             <a:extLst>
               <a:ext uri="{FF2B5EF4-FFF2-40B4-BE49-F238E27FC236}">
-                <a16:creationId xmlns="" xmlns:a16="http://schemas.microsoft.com/office/drawing/2014/main" id="{3E99B5D8-BC99-4572-92A0-17E7E27354E7}"/>
+                <a16:creationId xmlns:a16="http://schemas.microsoft.com/office/drawing/2014/main" xmlns="" id="{3E99B5D8-BC99-4572-92A0-17E7E27354E7}"/>
               </a:ext>
             </a:extLst>
           </p:cNvPr>
@@ -18567,7 +18575,7 @@
             <a:hlinkClick r:id="rId7" action="ppaction://hlinksldjump"/>
             <a:extLst>
               <a:ext uri="{FF2B5EF4-FFF2-40B4-BE49-F238E27FC236}">
-                <a16:creationId xmlns="" xmlns:a16="http://schemas.microsoft.com/office/drawing/2014/main" id="{3E99B5D8-BC99-4572-92A0-17E7E27354E7}"/>
+                <a16:creationId xmlns:a16="http://schemas.microsoft.com/office/drawing/2014/main" xmlns="" id="{3E99B5D8-BC99-4572-92A0-17E7E27354E7}"/>
               </a:ext>
             </a:extLst>
           </p:cNvPr>
@@ -18618,7 +18626,7 @@
             <a:hlinkClick r:id="rId8" action="ppaction://hlinksldjump"/>
             <a:extLst>
               <a:ext uri="{FF2B5EF4-FFF2-40B4-BE49-F238E27FC236}">
-                <a16:creationId xmlns="" xmlns:a16="http://schemas.microsoft.com/office/drawing/2014/main" id="{3E99B5D8-BC99-4572-92A0-17E7E27354E7}"/>
+                <a16:creationId xmlns:a16="http://schemas.microsoft.com/office/drawing/2014/main" xmlns="" id="{3E99B5D8-BC99-4572-92A0-17E7E27354E7}"/>
               </a:ext>
             </a:extLst>
           </p:cNvPr>
@@ -18669,7 +18677,7 @@
             <a:hlinkClick r:id="rId9" action="ppaction://hlinksldjump"/>
             <a:extLst>
               <a:ext uri="{FF2B5EF4-FFF2-40B4-BE49-F238E27FC236}">
-                <a16:creationId xmlns="" xmlns:a16="http://schemas.microsoft.com/office/drawing/2014/main" id="{3E99B5D8-BC99-4572-92A0-17E7E27354E7}"/>
+                <a16:creationId xmlns:a16="http://schemas.microsoft.com/office/drawing/2014/main" xmlns="" id="{3E99B5D8-BC99-4572-92A0-17E7E27354E7}"/>
               </a:ext>
             </a:extLst>
           </p:cNvPr>
@@ -18720,7 +18728,7 @@
             <a:hlinkClick r:id="rId10" action="ppaction://hlinksldjump"/>
             <a:extLst>
               <a:ext uri="{FF2B5EF4-FFF2-40B4-BE49-F238E27FC236}">
-                <a16:creationId xmlns="" xmlns:a16="http://schemas.microsoft.com/office/drawing/2014/main" id="{3E99B5D8-BC99-4572-92A0-17E7E27354E7}"/>
+                <a16:creationId xmlns:a16="http://schemas.microsoft.com/office/drawing/2014/main" xmlns="" id="{3E99B5D8-BC99-4572-92A0-17E7E27354E7}"/>
               </a:ext>
             </a:extLst>
           </p:cNvPr>
@@ -18771,7 +18779,7 @@
             <a:hlinkClick r:id="rId11" action="ppaction://hlinksldjump"/>
             <a:extLst>
               <a:ext uri="{FF2B5EF4-FFF2-40B4-BE49-F238E27FC236}">
-                <a16:creationId xmlns="" xmlns:a16="http://schemas.microsoft.com/office/drawing/2014/main" id="{3E99B5D8-BC99-4572-92A0-17E7E27354E7}"/>
+                <a16:creationId xmlns:a16="http://schemas.microsoft.com/office/drawing/2014/main" xmlns="" id="{3E99B5D8-BC99-4572-92A0-17E7E27354E7}"/>
               </a:ext>
             </a:extLst>
           </p:cNvPr>
@@ -19120,7 +19128,7 @@
             <a:hlinkClick r:id="rId4" action="ppaction://hlinksldjump"/>
             <a:extLst>
               <a:ext uri="{FF2B5EF4-FFF2-40B4-BE49-F238E27FC236}">
-                <a16:creationId xmlns="" xmlns:a16="http://schemas.microsoft.com/office/drawing/2014/main" id="{3E99B5D8-BC99-4572-92A0-17E7E27354E7}"/>
+                <a16:creationId xmlns:a16="http://schemas.microsoft.com/office/drawing/2014/main" xmlns="" id="{3E99B5D8-BC99-4572-92A0-17E7E27354E7}"/>
               </a:ext>
             </a:extLst>
           </p:cNvPr>
@@ -19171,7 +19179,7 @@
             <a:hlinkClick r:id="rId5" action="ppaction://hlinksldjump"/>
             <a:extLst>
               <a:ext uri="{FF2B5EF4-FFF2-40B4-BE49-F238E27FC236}">
-                <a16:creationId xmlns="" xmlns:a16="http://schemas.microsoft.com/office/drawing/2014/main" id="{3E99B5D8-BC99-4572-92A0-17E7E27354E7}"/>
+                <a16:creationId xmlns:a16="http://schemas.microsoft.com/office/drawing/2014/main" xmlns="" id="{3E99B5D8-BC99-4572-92A0-17E7E27354E7}"/>
               </a:ext>
             </a:extLst>
           </p:cNvPr>
@@ -19222,7 +19230,7 @@
             <a:hlinkClick r:id="rId6" action="ppaction://hlinksldjump"/>
             <a:extLst>
               <a:ext uri="{FF2B5EF4-FFF2-40B4-BE49-F238E27FC236}">
-                <a16:creationId xmlns="" xmlns:a16="http://schemas.microsoft.com/office/drawing/2014/main" id="{3E99B5D8-BC99-4572-92A0-17E7E27354E7}"/>
+                <a16:creationId xmlns:a16="http://schemas.microsoft.com/office/drawing/2014/main" xmlns="" id="{3E99B5D8-BC99-4572-92A0-17E7E27354E7}"/>
               </a:ext>
             </a:extLst>
           </p:cNvPr>
@@ -19273,7 +19281,7 @@
             <a:hlinkClick r:id="rId7" action="ppaction://hlinksldjump"/>
             <a:extLst>
               <a:ext uri="{FF2B5EF4-FFF2-40B4-BE49-F238E27FC236}">
-                <a16:creationId xmlns="" xmlns:a16="http://schemas.microsoft.com/office/drawing/2014/main" id="{3E99B5D8-BC99-4572-92A0-17E7E27354E7}"/>
+                <a16:creationId xmlns:a16="http://schemas.microsoft.com/office/drawing/2014/main" xmlns="" id="{3E99B5D8-BC99-4572-92A0-17E7E27354E7}"/>
               </a:ext>
             </a:extLst>
           </p:cNvPr>
@@ -19324,7 +19332,7 @@
             <a:hlinkClick r:id="rId8" action="ppaction://hlinksldjump"/>
             <a:extLst>
               <a:ext uri="{FF2B5EF4-FFF2-40B4-BE49-F238E27FC236}">
-                <a16:creationId xmlns="" xmlns:a16="http://schemas.microsoft.com/office/drawing/2014/main" id="{3E99B5D8-BC99-4572-92A0-17E7E27354E7}"/>
+                <a16:creationId xmlns:a16="http://schemas.microsoft.com/office/drawing/2014/main" xmlns="" id="{3E99B5D8-BC99-4572-92A0-17E7E27354E7}"/>
               </a:ext>
             </a:extLst>
           </p:cNvPr>
@@ -19375,7 +19383,7 @@
             <a:hlinkClick r:id="rId9" action="ppaction://hlinksldjump"/>
             <a:extLst>
               <a:ext uri="{FF2B5EF4-FFF2-40B4-BE49-F238E27FC236}">
-                <a16:creationId xmlns="" xmlns:a16="http://schemas.microsoft.com/office/drawing/2014/main" id="{3E99B5D8-BC99-4572-92A0-17E7E27354E7}"/>
+                <a16:creationId xmlns:a16="http://schemas.microsoft.com/office/drawing/2014/main" xmlns="" id="{3E99B5D8-BC99-4572-92A0-17E7E27354E7}"/>
               </a:ext>
             </a:extLst>
           </p:cNvPr>
@@ -19774,7 +19782,7 @@
             <a:hlinkClick r:id="rId4" action="ppaction://hlinksldjump"/>
             <a:extLst>
               <a:ext uri="{FF2B5EF4-FFF2-40B4-BE49-F238E27FC236}">
-                <a16:creationId xmlns="" xmlns:a16="http://schemas.microsoft.com/office/drawing/2014/main" id="{3E99B5D8-BC99-4572-92A0-17E7E27354E7}"/>
+                <a16:creationId xmlns:a16="http://schemas.microsoft.com/office/drawing/2014/main" xmlns="" id="{3E99B5D8-BC99-4572-92A0-17E7E27354E7}"/>
               </a:ext>
             </a:extLst>
           </p:cNvPr>
@@ -19825,7 +19833,7 @@
             <a:hlinkClick r:id="rId5" action="ppaction://hlinksldjump"/>
             <a:extLst>
               <a:ext uri="{FF2B5EF4-FFF2-40B4-BE49-F238E27FC236}">
-                <a16:creationId xmlns="" xmlns:a16="http://schemas.microsoft.com/office/drawing/2014/main" id="{3E99B5D8-BC99-4572-92A0-17E7E27354E7}"/>
+                <a16:creationId xmlns:a16="http://schemas.microsoft.com/office/drawing/2014/main" xmlns="" id="{3E99B5D8-BC99-4572-92A0-17E7E27354E7}"/>
               </a:ext>
             </a:extLst>
           </p:cNvPr>
@@ -19876,7 +19884,7 @@
             <a:hlinkClick r:id="rId6" action="ppaction://hlinksldjump"/>
             <a:extLst>
               <a:ext uri="{FF2B5EF4-FFF2-40B4-BE49-F238E27FC236}">
-                <a16:creationId xmlns="" xmlns:a16="http://schemas.microsoft.com/office/drawing/2014/main" id="{3E99B5D8-BC99-4572-92A0-17E7E27354E7}"/>
+                <a16:creationId xmlns:a16="http://schemas.microsoft.com/office/drawing/2014/main" xmlns="" id="{3E99B5D8-BC99-4572-92A0-17E7E27354E7}"/>
               </a:ext>
             </a:extLst>
           </p:cNvPr>
@@ -19927,7 +19935,7 @@
             <a:hlinkClick r:id="rId7" action="ppaction://hlinksldjump"/>
             <a:extLst>
               <a:ext uri="{FF2B5EF4-FFF2-40B4-BE49-F238E27FC236}">
-                <a16:creationId xmlns="" xmlns:a16="http://schemas.microsoft.com/office/drawing/2014/main" id="{3E99B5D8-BC99-4572-92A0-17E7E27354E7}"/>
+                <a16:creationId xmlns:a16="http://schemas.microsoft.com/office/drawing/2014/main" xmlns="" id="{3E99B5D8-BC99-4572-92A0-17E7E27354E7}"/>
               </a:ext>
             </a:extLst>
           </p:cNvPr>
@@ -19978,7 +19986,7 @@
             <a:hlinkClick r:id="rId8" action="ppaction://hlinksldjump"/>
             <a:extLst>
               <a:ext uri="{FF2B5EF4-FFF2-40B4-BE49-F238E27FC236}">
-                <a16:creationId xmlns="" xmlns:a16="http://schemas.microsoft.com/office/drawing/2014/main" id="{3E99B5D8-BC99-4572-92A0-17E7E27354E7}"/>
+                <a16:creationId xmlns:a16="http://schemas.microsoft.com/office/drawing/2014/main" xmlns="" id="{3E99B5D8-BC99-4572-92A0-17E7E27354E7}"/>
               </a:ext>
             </a:extLst>
           </p:cNvPr>
@@ -20029,7 +20037,7 @@
             <a:hlinkClick r:id="rId9" action="ppaction://hlinksldjump"/>
             <a:extLst>
               <a:ext uri="{FF2B5EF4-FFF2-40B4-BE49-F238E27FC236}">
-                <a16:creationId xmlns="" xmlns:a16="http://schemas.microsoft.com/office/drawing/2014/main" id="{3E99B5D8-BC99-4572-92A0-17E7E27354E7}"/>
+                <a16:creationId xmlns:a16="http://schemas.microsoft.com/office/drawing/2014/main" xmlns="" id="{3E99B5D8-BC99-4572-92A0-17E7E27354E7}"/>
               </a:ext>
             </a:extLst>
           </p:cNvPr>
@@ -20253,7 +20261,7 @@
             <a:hlinkClick r:id="rId5" action="ppaction://hlinksldjump"/>
             <a:extLst>
               <a:ext uri="{FF2B5EF4-FFF2-40B4-BE49-F238E27FC236}">
-                <a16:creationId xmlns="" xmlns:a16="http://schemas.microsoft.com/office/drawing/2014/main" id="{3E99B5D8-BC99-4572-92A0-17E7E27354E7}"/>
+                <a16:creationId xmlns:a16="http://schemas.microsoft.com/office/drawing/2014/main" xmlns="" id="{3E99B5D8-BC99-4572-92A0-17E7E27354E7}"/>
               </a:ext>
             </a:extLst>
           </p:cNvPr>
@@ -20304,7 +20312,7 @@
             <a:hlinkClick r:id="rId6" action="ppaction://hlinksldjump"/>
             <a:extLst>
               <a:ext uri="{FF2B5EF4-FFF2-40B4-BE49-F238E27FC236}">
-                <a16:creationId xmlns="" xmlns:a16="http://schemas.microsoft.com/office/drawing/2014/main" id="{3E99B5D8-BC99-4572-92A0-17E7E27354E7}"/>
+                <a16:creationId xmlns:a16="http://schemas.microsoft.com/office/drawing/2014/main" xmlns="" id="{3E99B5D8-BC99-4572-92A0-17E7E27354E7}"/>
               </a:ext>
             </a:extLst>
           </p:cNvPr>
@@ -20355,7 +20363,7 @@
             <a:hlinkClick r:id="rId7" action="ppaction://hlinksldjump"/>
             <a:extLst>
               <a:ext uri="{FF2B5EF4-FFF2-40B4-BE49-F238E27FC236}">
-                <a16:creationId xmlns="" xmlns:a16="http://schemas.microsoft.com/office/drawing/2014/main" id="{3E99B5D8-BC99-4572-92A0-17E7E27354E7}"/>
+                <a16:creationId xmlns:a16="http://schemas.microsoft.com/office/drawing/2014/main" xmlns="" id="{3E99B5D8-BC99-4572-92A0-17E7E27354E7}"/>
               </a:ext>
             </a:extLst>
           </p:cNvPr>
@@ -20406,7 +20414,7 @@
             <a:hlinkClick r:id="rId8" action="ppaction://hlinksldjump"/>
             <a:extLst>
               <a:ext uri="{FF2B5EF4-FFF2-40B4-BE49-F238E27FC236}">
-                <a16:creationId xmlns="" xmlns:a16="http://schemas.microsoft.com/office/drawing/2014/main" id="{3E99B5D8-BC99-4572-92A0-17E7E27354E7}"/>
+                <a16:creationId xmlns:a16="http://schemas.microsoft.com/office/drawing/2014/main" xmlns="" id="{3E99B5D8-BC99-4572-92A0-17E7E27354E7}"/>
               </a:ext>
             </a:extLst>
           </p:cNvPr>
@@ -20457,7 +20465,7 @@
             <a:hlinkClick r:id="rId9" action="ppaction://hlinksldjump"/>
             <a:extLst>
               <a:ext uri="{FF2B5EF4-FFF2-40B4-BE49-F238E27FC236}">
-                <a16:creationId xmlns="" xmlns:a16="http://schemas.microsoft.com/office/drawing/2014/main" id="{3E99B5D8-BC99-4572-92A0-17E7E27354E7}"/>
+                <a16:creationId xmlns:a16="http://schemas.microsoft.com/office/drawing/2014/main" xmlns="" id="{3E99B5D8-BC99-4572-92A0-17E7E27354E7}"/>
               </a:ext>
             </a:extLst>
           </p:cNvPr>
@@ -20508,7 +20516,7 @@
             <a:hlinkClick r:id="rId10" action="ppaction://hlinksldjump"/>
             <a:extLst>
               <a:ext uri="{FF2B5EF4-FFF2-40B4-BE49-F238E27FC236}">
-                <a16:creationId xmlns="" xmlns:a16="http://schemas.microsoft.com/office/drawing/2014/main" id="{3E99B5D8-BC99-4572-92A0-17E7E27354E7}"/>
+                <a16:creationId xmlns:a16="http://schemas.microsoft.com/office/drawing/2014/main" xmlns="" id="{3E99B5D8-BC99-4572-92A0-17E7E27354E7}"/>
               </a:ext>
             </a:extLst>
           </p:cNvPr>
@@ -20559,7 +20567,7 @@
             <a:hlinkClick r:id="rId5" action="ppaction://hlinksldjump"/>
             <a:extLst>
               <a:ext uri="{FF2B5EF4-FFF2-40B4-BE49-F238E27FC236}">
-                <a16:creationId xmlns="" xmlns:a16="http://schemas.microsoft.com/office/drawing/2014/main" id="{3E99B5D8-BC99-4572-92A0-17E7E27354E7}"/>
+                <a16:creationId xmlns:a16="http://schemas.microsoft.com/office/drawing/2014/main" xmlns="" id="{3E99B5D8-BC99-4572-92A0-17E7E27354E7}"/>
               </a:ext>
             </a:extLst>
           </p:cNvPr>
@@ -21282,7 +21290,7 @@
             <a:hlinkClick r:id="rId5" action="ppaction://hlinksldjump"/>
             <a:extLst>
               <a:ext uri="{FF2B5EF4-FFF2-40B4-BE49-F238E27FC236}">
-                <a16:creationId xmlns="" xmlns:a16="http://schemas.microsoft.com/office/drawing/2014/main" id="{3E99B5D8-BC99-4572-92A0-17E7E27354E7}"/>
+                <a16:creationId xmlns:a16="http://schemas.microsoft.com/office/drawing/2014/main" xmlns="" id="{3E99B5D8-BC99-4572-92A0-17E7E27354E7}"/>
               </a:ext>
             </a:extLst>
           </p:cNvPr>
@@ -21333,7 +21341,7 @@
             <a:hlinkClick r:id="rId6" action="ppaction://hlinksldjump"/>
             <a:extLst>
               <a:ext uri="{FF2B5EF4-FFF2-40B4-BE49-F238E27FC236}">
-                <a16:creationId xmlns="" xmlns:a16="http://schemas.microsoft.com/office/drawing/2014/main" id="{3E99B5D8-BC99-4572-92A0-17E7E27354E7}"/>
+                <a16:creationId xmlns:a16="http://schemas.microsoft.com/office/drawing/2014/main" xmlns="" id="{3E99B5D8-BC99-4572-92A0-17E7E27354E7}"/>
               </a:ext>
             </a:extLst>
           </p:cNvPr>
@@ -21384,7 +21392,7 @@
             <a:hlinkClick r:id="rId7" action="ppaction://hlinksldjump"/>
             <a:extLst>
               <a:ext uri="{FF2B5EF4-FFF2-40B4-BE49-F238E27FC236}">
-                <a16:creationId xmlns="" xmlns:a16="http://schemas.microsoft.com/office/drawing/2014/main" id="{3E99B5D8-BC99-4572-92A0-17E7E27354E7}"/>
+                <a16:creationId xmlns:a16="http://schemas.microsoft.com/office/drawing/2014/main" xmlns="" id="{3E99B5D8-BC99-4572-92A0-17E7E27354E7}"/>
               </a:ext>
             </a:extLst>
           </p:cNvPr>
@@ -21435,7 +21443,7 @@
             <a:hlinkClick r:id="rId8" action="ppaction://hlinksldjump"/>
             <a:extLst>
               <a:ext uri="{FF2B5EF4-FFF2-40B4-BE49-F238E27FC236}">
-                <a16:creationId xmlns="" xmlns:a16="http://schemas.microsoft.com/office/drawing/2014/main" id="{3E99B5D8-BC99-4572-92A0-17E7E27354E7}"/>
+                <a16:creationId xmlns:a16="http://schemas.microsoft.com/office/drawing/2014/main" xmlns="" id="{3E99B5D8-BC99-4572-92A0-17E7E27354E7}"/>
               </a:ext>
             </a:extLst>
           </p:cNvPr>
@@ -21486,7 +21494,7 @@
             <a:hlinkClick r:id="rId9" action="ppaction://hlinksldjump"/>
             <a:extLst>
               <a:ext uri="{FF2B5EF4-FFF2-40B4-BE49-F238E27FC236}">
-                <a16:creationId xmlns="" xmlns:a16="http://schemas.microsoft.com/office/drawing/2014/main" id="{3E99B5D8-BC99-4572-92A0-17E7E27354E7}"/>
+                <a16:creationId xmlns:a16="http://schemas.microsoft.com/office/drawing/2014/main" xmlns="" id="{3E99B5D8-BC99-4572-92A0-17E7E27354E7}"/>
               </a:ext>
             </a:extLst>
           </p:cNvPr>
@@ -21537,7 +21545,7 @@
             <a:hlinkClick r:id="rId10" action="ppaction://hlinksldjump"/>
             <a:extLst>
               <a:ext uri="{FF2B5EF4-FFF2-40B4-BE49-F238E27FC236}">
-                <a16:creationId xmlns="" xmlns:a16="http://schemas.microsoft.com/office/drawing/2014/main" id="{3E99B5D8-BC99-4572-92A0-17E7E27354E7}"/>
+                <a16:creationId xmlns:a16="http://schemas.microsoft.com/office/drawing/2014/main" xmlns="" id="{3E99B5D8-BC99-4572-92A0-17E7E27354E7}"/>
               </a:ext>
             </a:extLst>
           </p:cNvPr>
@@ -21588,7 +21596,7 @@
             <a:hlinkClick r:id="rId5" action="ppaction://hlinksldjump"/>
             <a:extLst>
               <a:ext uri="{FF2B5EF4-FFF2-40B4-BE49-F238E27FC236}">
-                <a16:creationId xmlns="" xmlns:a16="http://schemas.microsoft.com/office/drawing/2014/main" id="{3E99B5D8-BC99-4572-92A0-17E7E27354E7}"/>
+                <a16:creationId xmlns:a16="http://schemas.microsoft.com/office/drawing/2014/main" xmlns="" id="{3E99B5D8-BC99-4572-92A0-17E7E27354E7}"/>
               </a:ext>
             </a:extLst>
           </p:cNvPr>
@@ -22463,151 +22471,6 @@
 </file>
 
 <file path=customXml/item1.xml><?xml version="1.0" encoding="utf-8"?>
-<p:properties xmlns:p="http://schemas.microsoft.com/office/2006/metadata/properties" xmlns:xsi="http://www.w3.org/2001/XMLSchema-instance" xmlns:pc="http://schemas.microsoft.com/office/infopath/2007/PartnerControls">
-  <documentManagement>
-    <LocPublishedLinkedAssetsLookup xmlns="4873beb7-5857-4685-be1f-d57550cc96cc" xsi:nil="true"/>
-    <ApprovalStatus xmlns="4873beb7-5857-4685-be1f-d57550cc96cc">InProgress</ApprovalStatus>
-    <MarketSpecific xmlns="4873beb7-5857-4685-be1f-d57550cc96cc">false</MarketSpecific>
-    <LocComments xmlns="4873beb7-5857-4685-be1f-d57550cc96cc" xsi:nil="true"/>
-    <LocLastLocAttemptVersionTypeLookup xmlns="4873beb7-5857-4685-be1f-d57550cc96cc" xsi:nil="true"/>
-    <DirectSourceMarket xmlns="4873beb7-5857-4685-be1f-d57550cc96cc" xsi:nil="true"/>
-    <ThumbnailAssetId xmlns="4873beb7-5857-4685-be1f-d57550cc96cc" xsi:nil="true"/>
-    <PrimaryImageGen xmlns="4873beb7-5857-4685-be1f-d57550cc96cc">false</PrimaryImageGen>
-    <LocNewPublishedVersionLookup xmlns="4873beb7-5857-4685-be1f-d57550cc96cc" xsi:nil="true"/>
-    <LegacyData xmlns="4873beb7-5857-4685-be1f-d57550cc96cc" xsi:nil="true"/>
-    <LocRecommendedHandoff xmlns="4873beb7-5857-4685-be1f-d57550cc96cc" xsi:nil="true"/>
-    <BusinessGroup xmlns="4873beb7-5857-4685-be1f-d57550cc96cc" xsi:nil="true"/>
-    <BlockPublish xmlns="4873beb7-5857-4685-be1f-d57550cc96cc">false</BlockPublish>
-    <TPFriendlyName xmlns="4873beb7-5857-4685-be1f-d57550cc96cc" xsi:nil="true"/>
-    <LocOverallPublishStatusLookup xmlns="4873beb7-5857-4685-be1f-d57550cc96cc" xsi:nil="true"/>
-    <NumericId xmlns="4873beb7-5857-4685-be1f-d57550cc96cc" xsi:nil="true"/>
-    <APEditor xmlns="4873beb7-5857-4685-be1f-d57550cc96cc">
-      <UserInfo>
-        <DisplayName/>
-        <AccountId xsi:nil="true"/>
-        <AccountType/>
-      </UserInfo>
-    </APEditor>
-    <SourceTitle xmlns="4873beb7-5857-4685-be1f-d57550cc96cc" xsi:nil="true"/>
-    <OpenTemplate xmlns="4873beb7-5857-4685-be1f-d57550cc96cc">true</OpenTemplate>
-    <LocOverallLocStatusLookup xmlns="4873beb7-5857-4685-be1f-d57550cc96cc" xsi:nil="true"/>
-    <UALocComments xmlns="4873beb7-5857-4685-be1f-d57550cc96cc" xsi:nil="true"/>
-    <ParentAssetId xmlns="4873beb7-5857-4685-be1f-d57550cc96cc" xsi:nil="true"/>
-    <IntlLangReviewDate xmlns="4873beb7-5857-4685-be1f-d57550cc96cc" xsi:nil="true"/>
-    <FeatureTagsTaxHTField0 xmlns="4873beb7-5857-4685-be1f-d57550cc96cc">
-      <Terms xmlns="http://schemas.microsoft.com/office/infopath/2007/PartnerControls"/>
-    </FeatureTagsTaxHTField0>
-    <PublishStatusLookup xmlns="4873beb7-5857-4685-be1f-d57550cc96cc">
-      <Value>1345039</Value>
-    </PublishStatusLookup>
-    <Providers xmlns="4873beb7-5857-4685-be1f-d57550cc96cc" xsi:nil="true"/>
-    <MachineTranslated xmlns="4873beb7-5857-4685-be1f-d57550cc96cc">false</MachineTranslated>
-    <OriginalSourceMarket xmlns="4873beb7-5857-4685-be1f-d57550cc96cc" xsi:nil="true"/>
-    <APDescription xmlns="4873beb7-5857-4685-be1f-d57550cc96cc">The bookstacks present on most slides  make this a good choice for students, teachers, reading enthusiasts, and others in education. This presentation template contains multiple slide layouts in widescreen format (16x9) and includes a sample table and chart that you can easily  modify.</APDescription>
-    <ClipArtFilename xmlns="4873beb7-5857-4685-be1f-d57550cc96cc" xsi:nil="true"/>
-    <ContentItem xmlns="4873beb7-5857-4685-be1f-d57550cc96cc" xsi:nil="true"/>
-    <TPInstallLocation xmlns="4873beb7-5857-4685-be1f-d57550cc96cc" xsi:nil="true"/>
-    <PublishTargets xmlns="4873beb7-5857-4685-be1f-d57550cc96cc">OfficeOnlineVNext</PublishTargets>
-    <TimesCloned xmlns="4873beb7-5857-4685-be1f-d57550cc96cc" xsi:nil="true"/>
-    <AssetStart xmlns="4873beb7-5857-4685-be1f-d57550cc96cc">2011-11-26T00:00:00+00:00</AssetStart>
-    <Provider xmlns="4873beb7-5857-4685-be1f-d57550cc96cc" xsi:nil="true"/>
-    <AcquiredFrom xmlns="4873beb7-5857-4685-be1f-d57550cc96cc">Internal MS</AcquiredFrom>
-    <FriendlyTitle xmlns="4873beb7-5857-4685-be1f-d57550cc96cc" xsi:nil="true"/>
-    <LastHandOff xmlns="4873beb7-5857-4685-be1f-d57550cc96cc" xsi:nil="true"/>
-    <TPClientViewer xmlns="4873beb7-5857-4685-be1f-d57550cc96cc" xsi:nil="true"/>
-    <TemplateStatus xmlns="4873beb7-5857-4685-be1f-d57550cc96cc">Complete</TemplateStatus>
-    <Downloads xmlns="4873beb7-5857-4685-be1f-d57550cc96cc">0</Downloads>
-    <OOCacheId xmlns="4873beb7-5857-4685-be1f-d57550cc96cc" xsi:nil="true"/>
-    <IsDeleted xmlns="4873beb7-5857-4685-be1f-d57550cc96cc">false</IsDeleted>
-    <LocPublishedDependentAssetsLookup xmlns="4873beb7-5857-4685-be1f-d57550cc96cc" xsi:nil="true"/>
-    <AssetExpire xmlns="4873beb7-5857-4685-be1f-d57550cc96cc">2029-05-12T07:00:00+00:00</AssetExpire>
-    <DSATActionTaken xmlns="4873beb7-5857-4685-be1f-d57550cc96cc" xsi:nil="true"/>
-    <CSXSubmissionMarket xmlns="4873beb7-5857-4685-be1f-d57550cc96cc" xsi:nil="true"/>
-    <TPExecutable xmlns="4873beb7-5857-4685-be1f-d57550cc96cc" xsi:nil="true"/>
-    <EditorialTags xmlns="4873beb7-5857-4685-be1f-d57550cc96cc" xsi:nil="true"/>
-    <SubmitterId xmlns="4873beb7-5857-4685-be1f-d57550cc96cc" xsi:nil="true"/>
-    <ApprovalLog xmlns="4873beb7-5857-4685-be1f-d57550cc96cc" xsi:nil="true"/>
-    <AssetType xmlns="4873beb7-5857-4685-be1f-d57550cc96cc">TP</AssetType>
-    <BugNumber xmlns="4873beb7-5857-4685-be1f-d57550cc96cc" xsi:nil="true"/>
-    <CSXSubmissionDate xmlns="4873beb7-5857-4685-be1f-d57550cc96cc" xsi:nil="true"/>
-    <CSXUpdate xmlns="4873beb7-5857-4685-be1f-d57550cc96cc">false</CSXUpdate>
-    <Milestone xmlns="4873beb7-5857-4685-be1f-d57550cc96cc" xsi:nil="true"/>
-    <RecommendationsModifier xmlns="4873beb7-5857-4685-be1f-d57550cc96cc" xsi:nil="true"/>
-    <OriginAsset xmlns="4873beb7-5857-4685-be1f-d57550cc96cc" xsi:nil="true"/>
-    <TPComponent xmlns="4873beb7-5857-4685-be1f-d57550cc96cc" xsi:nil="true"/>
-    <AssetId xmlns="4873beb7-5857-4685-be1f-d57550cc96cc">TP102787939</AssetId>
-    <IntlLocPriority xmlns="4873beb7-5857-4685-be1f-d57550cc96cc" xsi:nil="true"/>
-    <PolicheckWords xmlns="4873beb7-5857-4685-be1f-d57550cc96cc" xsi:nil="true"/>
-    <TPLaunchHelpLink xmlns="4873beb7-5857-4685-be1f-d57550cc96cc" xsi:nil="true"/>
-    <TPApplication xmlns="4873beb7-5857-4685-be1f-d57550cc96cc" xsi:nil="true"/>
-    <CrawlForDependencies xmlns="4873beb7-5857-4685-be1f-d57550cc96cc">false</CrawlForDependencies>
-    <HandoffToMSDN xmlns="4873beb7-5857-4685-be1f-d57550cc96cc" xsi:nil="true"/>
-    <PlannedPubDate xmlns="4873beb7-5857-4685-be1f-d57550cc96cc" xsi:nil="true"/>
-    <IntlLangReviewer xmlns="4873beb7-5857-4685-be1f-d57550cc96cc" xsi:nil="true"/>
-    <TrustLevel xmlns="4873beb7-5857-4685-be1f-d57550cc96cc">1 Microsoft Managed Content</TrustLevel>
-    <LocLastLocAttemptVersionLookup xmlns="4873beb7-5857-4685-be1f-d57550cc96cc">694216</LocLastLocAttemptVersionLookup>
-    <LocProcessedForHandoffsLookup xmlns="4873beb7-5857-4685-be1f-d57550cc96cc" xsi:nil="true"/>
-    <IsSearchable xmlns="4873beb7-5857-4685-be1f-d57550cc96cc">true</IsSearchable>
-    <TemplateTemplateType xmlns="4873beb7-5857-4685-be1f-d57550cc96cc">PowerPoint Presentation Template</TemplateTemplateType>
-    <CampaignTagsTaxHTField0 xmlns="4873beb7-5857-4685-be1f-d57550cc96cc">
-      <Terms xmlns="http://schemas.microsoft.com/office/infopath/2007/PartnerControls"/>
-    </CampaignTagsTaxHTField0>
-    <TPNamespace xmlns="4873beb7-5857-4685-be1f-d57550cc96cc" xsi:nil="true"/>
-    <LocOverallPreviewStatusLookup xmlns="4873beb7-5857-4685-be1f-d57550cc96cc" xsi:nil="true"/>
-    <TaxCatchAll xmlns="4873beb7-5857-4685-be1f-d57550cc96cc"/>
-    <Markets xmlns="4873beb7-5857-4685-be1f-d57550cc96cc"/>
-    <UAProjectedTotalWords xmlns="4873beb7-5857-4685-be1f-d57550cc96cc" xsi:nil="true"/>
-    <IntlLangReview xmlns="4873beb7-5857-4685-be1f-d57550cc96cc" xsi:nil="true"/>
-    <OutputCachingOn xmlns="4873beb7-5857-4685-be1f-d57550cc96cc">false</OutputCachingOn>
-    <AverageRating xmlns="4873beb7-5857-4685-be1f-d57550cc96cc" xsi:nil="true"/>
-    <APAuthor xmlns="4873beb7-5857-4685-be1f-d57550cc96cc">
-      <UserInfo>
-        <DisplayName>REDMOND\kristaa</DisplayName>
-        <AccountId>136</AccountId>
-        <AccountType/>
-      </UserInfo>
-    </APAuthor>
-    <LocManualTestRequired xmlns="4873beb7-5857-4685-be1f-d57550cc96cc">false</LocManualTestRequired>
-    <TPCommandLine xmlns="4873beb7-5857-4685-be1f-d57550cc96cc" xsi:nil="true"/>
-    <TPAppVersion xmlns="4873beb7-5857-4685-be1f-d57550cc96cc" xsi:nil="true"/>
-    <EditorialStatus xmlns="4873beb7-5857-4685-be1f-d57550cc96cc">Complete</EditorialStatus>
-    <LastModifiedDateTime xmlns="4873beb7-5857-4685-be1f-d57550cc96cc" xsi:nil="true"/>
-    <ScenarioTagsTaxHTField0 xmlns="4873beb7-5857-4685-be1f-d57550cc96cc">
-      <Terms xmlns="http://schemas.microsoft.com/office/infopath/2007/PartnerControls"/>
-    </ScenarioTagsTaxHTField0>
-    <LocProcessedForMarketsLookup xmlns="4873beb7-5857-4685-be1f-d57550cc96cc" xsi:nil="true"/>
-    <TPLaunchHelpLinkType xmlns="4873beb7-5857-4685-be1f-d57550cc96cc">Template</TPLaunchHelpLinkType>
-    <OriginalRelease xmlns="4873beb7-5857-4685-be1f-d57550cc96cc">15</OriginalRelease>
-    <LocalizationTagsTaxHTField0 xmlns="4873beb7-5857-4685-be1f-d57550cc96cc">
-      <Terms xmlns="http://schemas.microsoft.com/office/infopath/2007/PartnerControls"/>
-    </LocalizationTagsTaxHTField0>
-    <UACurrentWords xmlns="4873beb7-5857-4685-be1f-d57550cc96cc" xsi:nil="true"/>
-    <ArtSampleDocs xmlns="4873beb7-5857-4685-be1f-d57550cc96cc" xsi:nil="true"/>
-    <UALocRecommendation xmlns="4873beb7-5857-4685-be1f-d57550cc96cc">Localize</UALocRecommendation>
-    <Manager xmlns="4873beb7-5857-4685-be1f-d57550cc96cc" xsi:nil="true"/>
-    <LocOverallHandbackStatusLookup xmlns="4873beb7-5857-4685-be1f-d57550cc96cc" xsi:nil="true"/>
-    <ShowIn xmlns="4873beb7-5857-4685-be1f-d57550cc96cc">Show everywhere</ShowIn>
-    <UANotes xmlns="4873beb7-5857-4685-be1f-d57550cc96cc" xsi:nil="true"/>
-    <InternalTagsTaxHTField0 xmlns="4873beb7-5857-4685-be1f-d57550cc96cc">
-      <Terms xmlns="http://schemas.microsoft.com/office/infopath/2007/PartnerControls"/>
-    </InternalTagsTaxHTField0>
-    <CSXHash xmlns="4873beb7-5857-4685-be1f-d57550cc96cc" xsi:nil="true"/>
-    <VoteCount xmlns="4873beb7-5857-4685-be1f-d57550cc96cc" xsi:nil="true"/>
-    <LocMarketGroupTiers2 xmlns="4873beb7-5857-4685-be1f-d57550cc96cc" xsi:nil="true"/>
-  </documentManagement>
-</p:properties>
-</file>
-
-<file path=customXml/item2.xml><?xml version="1.0" encoding="utf-8"?>
-<?mso-contentType ?>
-<FormTemplates xmlns="http://schemas.microsoft.com/sharepoint/v3/contenttype/forms">
-  <Display>DocumentLibraryForm</Display>
-  <Edit>AssetEditForm</Edit>
-  <New>DocumentLibraryForm</New>
-</FormTemplates>
-</file>
-
-<file path=customXml/item3.xml><?xml version="1.0" encoding="utf-8"?>
 <ct:contentTypeSchema xmlns:ct="http://schemas.microsoft.com/office/2006/metadata/contentType" xmlns:ma="http://schemas.microsoft.com/office/2006/metadata/properties/metaAttributes" ct:_="" ma:_="" ma:contentTypeName="TemplateFile" ma:contentTypeID="0x0101006EDDDB5EE6D98C44930B742096920B300400F5B6D36B3EF94B4E9A635CDF2A18F5B8" ma:contentTypeVersion="72" ma:contentTypeDescription="Create a new document." ma:contentTypeScope="" ma:versionID="a23e56308344d904b51738559c3d67c9">
   <xsd:schema xmlns:xsd="http://www.w3.org/2001/XMLSchema" xmlns:xs="http://www.w3.org/2001/XMLSchema" xmlns:p="http://schemas.microsoft.com/office/2006/metadata/properties" xmlns:ns2="4873beb7-5857-4685-be1f-d57550cc96cc" targetNamespace="http://schemas.microsoft.com/office/2006/metadata/properties" ma:root="true" ma:fieldsID="cd0908cc4600e77bf5da051303e00c8d" ns2:_="">
     <xsd:import namespace="4873beb7-5857-4685-be1f-d57550cc96cc"/>
@@ -23647,31 +23510,152 @@
 </ct:contentTypeSchema>
 </file>
 
-<file path=customXml/itemProps1.xml><?xml version="1.0" encoding="utf-8"?>
-<ds:datastoreItem xmlns:ds="http://schemas.openxmlformats.org/officeDocument/2006/customXml" ds:itemID="{F301D382-32B0-43EE-932C-28906AF37617}">
-  <ds:schemaRefs>
-    <ds:schemaRef ds:uri="http://purl.org/dc/dcmitype/"/>
-    <ds:schemaRef ds:uri="http://purl.org/dc/terms/"/>
-    <ds:schemaRef ds:uri="http://schemas.microsoft.com/office/2006/documentManagement/types"/>
-    <ds:schemaRef ds:uri="http://purl.org/dc/elements/1.1/"/>
-    <ds:schemaRef ds:uri="http://schemas.microsoft.com/office/infopath/2007/PartnerControls"/>
-    <ds:schemaRef ds:uri="4873beb7-5857-4685-be1f-d57550cc96cc"/>
-    <ds:schemaRef ds:uri="http://schemas.openxmlformats.org/package/2006/metadata/core-properties"/>
-    <ds:schemaRef ds:uri="http://schemas.microsoft.com/office/2006/metadata/properties"/>
-    <ds:schemaRef ds:uri="http://www.w3.org/XML/1998/namespace"/>
-  </ds:schemaRefs>
-</ds:datastoreItem>
+<file path=customXml/item2.xml><?xml version="1.0" encoding="utf-8"?>
+<?mso-contentType ?>
+<FormTemplates xmlns="http://schemas.microsoft.com/sharepoint/v3/contenttype/forms">
+  <Display>DocumentLibraryForm</Display>
+  <Edit>AssetEditForm</Edit>
+  <New>DocumentLibraryForm</New>
+</FormTemplates>
 </file>
 
-<file path=customXml/itemProps2.xml><?xml version="1.0" encoding="utf-8"?>
-<ds:datastoreItem xmlns:ds="http://schemas.openxmlformats.org/officeDocument/2006/customXml" ds:itemID="{E1B558C7-619B-49BE-9097-7FCBDADD4ECE}">
-  <ds:schemaRefs>
-    <ds:schemaRef ds:uri="http://schemas.microsoft.com/sharepoint/v3/contenttype/forms"/>
-  </ds:schemaRefs>
-</ds:datastoreItem>
+<file path=customXml/item3.xml><?xml version="1.0" encoding="utf-8"?>
+<p:properties xmlns:p="http://schemas.microsoft.com/office/2006/metadata/properties" xmlns:xsi="http://www.w3.org/2001/XMLSchema-instance" xmlns:pc="http://schemas.microsoft.com/office/infopath/2007/PartnerControls">
+  <documentManagement>
+    <LocPublishedLinkedAssetsLookup xmlns="4873beb7-5857-4685-be1f-d57550cc96cc" xsi:nil="true"/>
+    <ApprovalStatus xmlns="4873beb7-5857-4685-be1f-d57550cc96cc">InProgress</ApprovalStatus>
+    <MarketSpecific xmlns="4873beb7-5857-4685-be1f-d57550cc96cc">false</MarketSpecific>
+    <LocComments xmlns="4873beb7-5857-4685-be1f-d57550cc96cc" xsi:nil="true"/>
+    <LocLastLocAttemptVersionTypeLookup xmlns="4873beb7-5857-4685-be1f-d57550cc96cc" xsi:nil="true"/>
+    <DirectSourceMarket xmlns="4873beb7-5857-4685-be1f-d57550cc96cc" xsi:nil="true"/>
+    <ThumbnailAssetId xmlns="4873beb7-5857-4685-be1f-d57550cc96cc" xsi:nil="true"/>
+    <PrimaryImageGen xmlns="4873beb7-5857-4685-be1f-d57550cc96cc">false</PrimaryImageGen>
+    <LocNewPublishedVersionLookup xmlns="4873beb7-5857-4685-be1f-d57550cc96cc" xsi:nil="true"/>
+    <LegacyData xmlns="4873beb7-5857-4685-be1f-d57550cc96cc" xsi:nil="true"/>
+    <LocRecommendedHandoff xmlns="4873beb7-5857-4685-be1f-d57550cc96cc" xsi:nil="true"/>
+    <BusinessGroup xmlns="4873beb7-5857-4685-be1f-d57550cc96cc" xsi:nil="true"/>
+    <BlockPublish xmlns="4873beb7-5857-4685-be1f-d57550cc96cc">false</BlockPublish>
+    <TPFriendlyName xmlns="4873beb7-5857-4685-be1f-d57550cc96cc" xsi:nil="true"/>
+    <LocOverallPublishStatusLookup xmlns="4873beb7-5857-4685-be1f-d57550cc96cc" xsi:nil="true"/>
+    <NumericId xmlns="4873beb7-5857-4685-be1f-d57550cc96cc" xsi:nil="true"/>
+    <APEditor xmlns="4873beb7-5857-4685-be1f-d57550cc96cc">
+      <UserInfo>
+        <DisplayName/>
+        <AccountId xsi:nil="true"/>
+        <AccountType/>
+      </UserInfo>
+    </APEditor>
+    <SourceTitle xmlns="4873beb7-5857-4685-be1f-d57550cc96cc" xsi:nil="true"/>
+    <OpenTemplate xmlns="4873beb7-5857-4685-be1f-d57550cc96cc">true</OpenTemplate>
+    <LocOverallLocStatusLookup xmlns="4873beb7-5857-4685-be1f-d57550cc96cc" xsi:nil="true"/>
+    <UALocComments xmlns="4873beb7-5857-4685-be1f-d57550cc96cc" xsi:nil="true"/>
+    <ParentAssetId xmlns="4873beb7-5857-4685-be1f-d57550cc96cc" xsi:nil="true"/>
+    <IntlLangReviewDate xmlns="4873beb7-5857-4685-be1f-d57550cc96cc" xsi:nil="true"/>
+    <FeatureTagsTaxHTField0 xmlns="4873beb7-5857-4685-be1f-d57550cc96cc">
+      <Terms xmlns="http://schemas.microsoft.com/office/infopath/2007/PartnerControls"/>
+    </FeatureTagsTaxHTField0>
+    <PublishStatusLookup xmlns="4873beb7-5857-4685-be1f-d57550cc96cc">
+      <Value>1345039</Value>
+    </PublishStatusLookup>
+    <Providers xmlns="4873beb7-5857-4685-be1f-d57550cc96cc" xsi:nil="true"/>
+    <MachineTranslated xmlns="4873beb7-5857-4685-be1f-d57550cc96cc">false</MachineTranslated>
+    <OriginalSourceMarket xmlns="4873beb7-5857-4685-be1f-d57550cc96cc" xsi:nil="true"/>
+    <APDescription xmlns="4873beb7-5857-4685-be1f-d57550cc96cc">The bookstacks present on most slides  make this a good choice for students, teachers, reading enthusiasts, and others in education. This presentation template contains multiple slide layouts in widescreen format (16x9) and includes a sample table and chart that you can easily  modify.</APDescription>
+    <ClipArtFilename xmlns="4873beb7-5857-4685-be1f-d57550cc96cc" xsi:nil="true"/>
+    <ContentItem xmlns="4873beb7-5857-4685-be1f-d57550cc96cc" xsi:nil="true"/>
+    <TPInstallLocation xmlns="4873beb7-5857-4685-be1f-d57550cc96cc" xsi:nil="true"/>
+    <PublishTargets xmlns="4873beb7-5857-4685-be1f-d57550cc96cc">OfficeOnlineVNext</PublishTargets>
+    <TimesCloned xmlns="4873beb7-5857-4685-be1f-d57550cc96cc" xsi:nil="true"/>
+    <AssetStart xmlns="4873beb7-5857-4685-be1f-d57550cc96cc">2011-11-26T00:00:00+00:00</AssetStart>
+    <Provider xmlns="4873beb7-5857-4685-be1f-d57550cc96cc" xsi:nil="true"/>
+    <AcquiredFrom xmlns="4873beb7-5857-4685-be1f-d57550cc96cc">Internal MS</AcquiredFrom>
+    <FriendlyTitle xmlns="4873beb7-5857-4685-be1f-d57550cc96cc" xsi:nil="true"/>
+    <LastHandOff xmlns="4873beb7-5857-4685-be1f-d57550cc96cc" xsi:nil="true"/>
+    <TPClientViewer xmlns="4873beb7-5857-4685-be1f-d57550cc96cc" xsi:nil="true"/>
+    <TemplateStatus xmlns="4873beb7-5857-4685-be1f-d57550cc96cc">Complete</TemplateStatus>
+    <Downloads xmlns="4873beb7-5857-4685-be1f-d57550cc96cc">0</Downloads>
+    <OOCacheId xmlns="4873beb7-5857-4685-be1f-d57550cc96cc" xsi:nil="true"/>
+    <IsDeleted xmlns="4873beb7-5857-4685-be1f-d57550cc96cc">false</IsDeleted>
+    <LocPublishedDependentAssetsLookup xmlns="4873beb7-5857-4685-be1f-d57550cc96cc" xsi:nil="true"/>
+    <AssetExpire xmlns="4873beb7-5857-4685-be1f-d57550cc96cc">2029-05-12T07:00:00+00:00</AssetExpire>
+    <DSATActionTaken xmlns="4873beb7-5857-4685-be1f-d57550cc96cc" xsi:nil="true"/>
+    <CSXSubmissionMarket xmlns="4873beb7-5857-4685-be1f-d57550cc96cc" xsi:nil="true"/>
+    <TPExecutable xmlns="4873beb7-5857-4685-be1f-d57550cc96cc" xsi:nil="true"/>
+    <EditorialTags xmlns="4873beb7-5857-4685-be1f-d57550cc96cc" xsi:nil="true"/>
+    <SubmitterId xmlns="4873beb7-5857-4685-be1f-d57550cc96cc" xsi:nil="true"/>
+    <ApprovalLog xmlns="4873beb7-5857-4685-be1f-d57550cc96cc" xsi:nil="true"/>
+    <AssetType xmlns="4873beb7-5857-4685-be1f-d57550cc96cc">TP</AssetType>
+    <BugNumber xmlns="4873beb7-5857-4685-be1f-d57550cc96cc" xsi:nil="true"/>
+    <CSXSubmissionDate xmlns="4873beb7-5857-4685-be1f-d57550cc96cc" xsi:nil="true"/>
+    <CSXUpdate xmlns="4873beb7-5857-4685-be1f-d57550cc96cc">false</CSXUpdate>
+    <Milestone xmlns="4873beb7-5857-4685-be1f-d57550cc96cc" xsi:nil="true"/>
+    <RecommendationsModifier xmlns="4873beb7-5857-4685-be1f-d57550cc96cc" xsi:nil="true"/>
+    <OriginAsset xmlns="4873beb7-5857-4685-be1f-d57550cc96cc" xsi:nil="true"/>
+    <TPComponent xmlns="4873beb7-5857-4685-be1f-d57550cc96cc" xsi:nil="true"/>
+    <AssetId xmlns="4873beb7-5857-4685-be1f-d57550cc96cc">TP102787939</AssetId>
+    <IntlLocPriority xmlns="4873beb7-5857-4685-be1f-d57550cc96cc" xsi:nil="true"/>
+    <PolicheckWords xmlns="4873beb7-5857-4685-be1f-d57550cc96cc" xsi:nil="true"/>
+    <TPLaunchHelpLink xmlns="4873beb7-5857-4685-be1f-d57550cc96cc" xsi:nil="true"/>
+    <TPApplication xmlns="4873beb7-5857-4685-be1f-d57550cc96cc" xsi:nil="true"/>
+    <CrawlForDependencies xmlns="4873beb7-5857-4685-be1f-d57550cc96cc">false</CrawlForDependencies>
+    <HandoffToMSDN xmlns="4873beb7-5857-4685-be1f-d57550cc96cc" xsi:nil="true"/>
+    <PlannedPubDate xmlns="4873beb7-5857-4685-be1f-d57550cc96cc" xsi:nil="true"/>
+    <IntlLangReviewer xmlns="4873beb7-5857-4685-be1f-d57550cc96cc" xsi:nil="true"/>
+    <TrustLevel xmlns="4873beb7-5857-4685-be1f-d57550cc96cc">1 Microsoft Managed Content</TrustLevel>
+    <LocLastLocAttemptVersionLookup xmlns="4873beb7-5857-4685-be1f-d57550cc96cc">694216</LocLastLocAttemptVersionLookup>
+    <LocProcessedForHandoffsLookup xmlns="4873beb7-5857-4685-be1f-d57550cc96cc" xsi:nil="true"/>
+    <IsSearchable xmlns="4873beb7-5857-4685-be1f-d57550cc96cc">true</IsSearchable>
+    <TemplateTemplateType xmlns="4873beb7-5857-4685-be1f-d57550cc96cc">PowerPoint Presentation Template</TemplateTemplateType>
+    <CampaignTagsTaxHTField0 xmlns="4873beb7-5857-4685-be1f-d57550cc96cc">
+      <Terms xmlns="http://schemas.microsoft.com/office/infopath/2007/PartnerControls"/>
+    </CampaignTagsTaxHTField0>
+    <TPNamespace xmlns="4873beb7-5857-4685-be1f-d57550cc96cc" xsi:nil="true"/>
+    <LocOverallPreviewStatusLookup xmlns="4873beb7-5857-4685-be1f-d57550cc96cc" xsi:nil="true"/>
+    <TaxCatchAll xmlns="4873beb7-5857-4685-be1f-d57550cc96cc"/>
+    <Markets xmlns="4873beb7-5857-4685-be1f-d57550cc96cc"/>
+    <UAProjectedTotalWords xmlns="4873beb7-5857-4685-be1f-d57550cc96cc" xsi:nil="true"/>
+    <IntlLangReview xmlns="4873beb7-5857-4685-be1f-d57550cc96cc" xsi:nil="true"/>
+    <OutputCachingOn xmlns="4873beb7-5857-4685-be1f-d57550cc96cc">false</OutputCachingOn>
+    <AverageRating xmlns="4873beb7-5857-4685-be1f-d57550cc96cc" xsi:nil="true"/>
+    <APAuthor xmlns="4873beb7-5857-4685-be1f-d57550cc96cc">
+      <UserInfo>
+        <DisplayName>REDMOND\kristaa</DisplayName>
+        <AccountId>136</AccountId>
+        <AccountType/>
+      </UserInfo>
+    </APAuthor>
+    <LocManualTestRequired xmlns="4873beb7-5857-4685-be1f-d57550cc96cc">false</LocManualTestRequired>
+    <TPCommandLine xmlns="4873beb7-5857-4685-be1f-d57550cc96cc" xsi:nil="true"/>
+    <TPAppVersion xmlns="4873beb7-5857-4685-be1f-d57550cc96cc" xsi:nil="true"/>
+    <EditorialStatus xmlns="4873beb7-5857-4685-be1f-d57550cc96cc">Complete</EditorialStatus>
+    <LastModifiedDateTime xmlns="4873beb7-5857-4685-be1f-d57550cc96cc" xsi:nil="true"/>
+    <ScenarioTagsTaxHTField0 xmlns="4873beb7-5857-4685-be1f-d57550cc96cc">
+      <Terms xmlns="http://schemas.microsoft.com/office/infopath/2007/PartnerControls"/>
+    </ScenarioTagsTaxHTField0>
+    <LocProcessedForMarketsLookup xmlns="4873beb7-5857-4685-be1f-d57550cc96cc" xsi:nil="true"/>
+    <TPLaunchHelpLinkType xmlns="4873beb7-5857-4685-be1f-d57550cc96cc">Template</TPLaunchHelpLinkType>
+    <OriginalRelease xmlns="4873beb7-5857-4685-be1f-d57550cc96cc">15</OriginalRelease>
+    <LocalizationTagsTaxHTField0 xmlns="4873beb7-5857-4685-be1f-d57550cc96cc">
+      <Terms xmlns="http://schemas.microsoft.com/office/infopath/2007/PartnerControls"/>
+    </LocalizationTagsTaxHTField0>
+    <UACurrentWords xmlns="4873beb7-5857-4685-be1f-d57550cc96cc" xsi:nil="true"/>
+    <ArtSampleDocs xmlns="4873beb7-5857-4685-be1f-d57550cc96cc" xsi:nil="true"/>
+    <UALocRecommendation xmlns="4873beb7-5857-4685-be1f-d57550cc96cc">Localize</UALocRecommendation>
+    <Manager xmlns="4873beb7-5857-4685-be1f-d57550cc96cc" xsi:nil="true"/>
+    <LocOverallHandbackStatusLookup xmlns="4873beb7-5857-4685-be1f-d57550cc96cc" xsi:nil="true"/>
+    <ShowIn xmlns="4873beb7-5857-4685-be1f-d57550cc96cc">Show everywhere</ShowIn>
+    <UANotes xmlns="4873beb7-5857-4685-be1f-d57550cc96cc" xsi:nil="true"/>
+    <InternalTagsTaxHTField0 xmlns="4873beb7-5857-4685-be1f-d57550cc96cc">
+      <Terms xmlns="http://schemas.microsoft.com/office/infopath/2007/PartnerControls"/>
+    </InternalTagsTaxHTField0>
+    <CSXHash xmlns="4873beb7-5857-4685-be1f-d57550cc96cc" xsi:nil="true"/>
+    <VoteCount xmlns="4873beb7-5857-4685-be1f-d57550cc96cc" xsi:nil="true"/>
+    <LocMarketGroupTiers2 xmlns="4873beb7-5857-4685-be1f-d57550cc96cc" xsi:nil="true"/>
+  </documentManagement>
+</p:properties>
 </file>
 
-<file path=customXml/itemProps3.xml><?xml version="1.0" encoding="utf-8"?>
+<file path=customXml/itemProps1.xml><?xml version="1.0" encoding="utf-8"?>
 <ds:datastoreItem xmlns:ds="http://schemas.openxmlformats.org/officeDocument/2006/customXml" ds:itemID="{BBB5C329-08A6-4E5E-AEF1-A97828C87411}">
   <ds:schemaRefs>
     <ds:schemaRef ds:uri="http://schemas.microsoft.com/office/2006/metadata/contentType"/>
@@ -23687,4 +23671,28 @@
     <ds:schemaRef ds:uri="http://schemas.microsoft.com/internal/obd"/>
   </ds:schemaRefs>
 </ds:datastoreItem>
+</file>
+
+<file path=customXml/itemProps2.xml><?xml version="1.0" encoding="utf-8"?>
+<ds:datastoreItem xmlns:ds="http://schemas.openxmlformats.org/officeDocument/2006/customXml" ds:itemID="{E1B558C7-619B-49BE-9097-7FCBDADD4ECE}">
+  <ds:schemaRefs>
+    <ds:schemaRef ds:uri="http://schemas.microsoft.com/sharepoint/v3/contenttype/forms"/>
+  </ds:schemaRefs>
+</ds:datastoreItem>
+</file>
+
+<file path=customXml/itemProps3.xml><?xml version="1.0" encoding="utf-8"?>
+<ds:datastoreItem xmlns:ds="http://schemas.openxmlformats.org/officeDocument/2006/customXml" ds:itemID="{F301D382-32B0-43EE-932C-28906AF37617}">
+  <ds:schemaRefs>
+    <ds:schemaRef ds:uri="http://purl.org/dc/dcmitype/"/>
+    <ds:schemaRef ds:uri="http://purl.org/dc/terms/"/>
+    <ds:schemaRef ds:uri="http://schemas.microsoft.com/office/2006/documentManagement/types"/>
+    <ds:schemaRef ds:uri="http://purl.org/dc/elements/1.1/"/>
+    <ds:schemaRef ds:uri="http://schemas.microsoft.com/office/infopath/2007/PartnerControls"/>
+    <ds:schemaRef ds:uri="4873beb7-5857-4685-be1f-d57550cc96cc"/>
+    <ds:schemaRef ds:uri="http://schemas.openxmlformats.org/package/2006/metadata/core-properties"/>
+    <ds:schemaRef ds:uri="http://schemas.microsoft.com/office/2006/metadata/properties"/>
+    <ds:schemaRef ds:uri="http://www.w3.org/XML/1998/namespace"/>
+  </ds:schemaRefs>
+</ds:datastoreItem>
 </file>